--- a/2024_09_09_Lake Murray Bioassays - Figures and Stats Summaries.pptx
+++ b/2024_09_09_Lake Murray Bioassays - Figures and Stats Summaries.pptx
@@ -4,16 +4,20 @@
   <p:sldMasterIdLst>
     <p:sldMasterId id="2147483648" r:id="rId1"/>
   </p:sldMasterIdLst>
+  <p:notesMasterIdLst>
+    <p:notesMasterId r:id="rId12"/>
+  </p:notesMasterIdLst>
   <p:sldIdLst>
     <p:sldId id="256" r:id="rId2"/>
-    <p:sldId id="258" r:id="rId3"/>
-    <p:sldId id="259" r:id="rId4"/>
-    <p:sldId id="260" r:id="rId5"/>
-    <p:sldId id="261" r:id="rId6"/>
-    <p:sldId id="262" r:id="rId7"/>
-    <p:sldId id="263" r:id="rId8"/>
-    <p:sldId id="264" r:id="rId9"/>
-    <p:sldId id="265" r:id="rId10"/>
+    <p:sldId id="266" r:id="rId3"/>
+    <p:sldId id="258" r:id="rId4"/>
+    <p:sldId id="259" r:id="rId5"/>
+    <p:sldId id="260" r:id="rId6"/>
+    <p:sldId id="261" r:id="rId7"/>
+    <p:sldId id="262" r:id="rId8"/>
+    <p:sldId id="263" r:id="rId9"/>
+    <p:sldId id="264" r:id="rId10"/>
+    <p:sldId id="265" r:id="rId11"/>
   </p:sldIdLst>
   <p:sldSz cx="12192000" cy="6858000"/>
   <p:notesSz cx="6858000" cy="9144000"/>
@@ -112,7 +116,547 @@
       </a:defRPr>
     </a:lvl9pPr>
   </p:defaultTextStyle>
+  <p:extLst>
+    <p:ext uri="{EFAFB233-063F-42B5-8137-9DF3F51BA10A}">
+      <p15:sldGuideLst xmlns:p15="http://schemas.microsoft.com/office/powerpoint/2012/main"/>
+    </p:ext>
+  </p:extLst>
 </p:presentation>
+</file>
+
+<file path=ppt/revisionInfo.xml><?xml version="1.0" encoding="utf-8"?>
+<p1510:revInfo xmlns:a="http://schemas.openxmlformats.org/drawingml/2006/main" xmlns:r="http://schemas.openxmlformats.org/officeDocument/2006/relationships" xmlns:p1510="http://schemas.microsoft.com/office/powerpoint/2015/10/main">
+  <p1510:revLst>
+    <p1510:client id="{C4F4DA30-0D05-414F-B0B1-B4EECF11B26E}" v="6" dt="2024-09-10T15:59:04.536"/>
+  </p1510:revLst>
+</p1510:revInfo>
+</file>
+
+<file path=ppt/changesInfos/changesInfo1.xml><?xml version="1.0" encoding="utf-8"?>
+<pc:chgInfo xmlns:a="http://schemas.openxmlformats.org/drawingml/2006/main" xmlns:r="http://schemas.openxmlformats.org/officeDocument/2006/relationships" xmlns:ac="http://schemas.microsoft.com/office/drawing/2013/main/command" xmlns:pc="http://schemas.microsoft.com/office/powerpoint/2013/main/command">
+  <pc:docChgLst>
+    <pc:chgData name="Cat Schlenker" userId="4795f5e3347afba5" providerId="LiveId" clId="{C4F4DA30-0D05-414F-B0B1-B4EECF11B26E}"/>
+    <pc:docChg chg="undo custSel modSld">
+      <pc:chgData name="Cat Schlenker" userId="4795f5e3347afba5" providerId="LiveId" clId="{C4F4DA30-0D05-414F-B0B1-B4EECF11B26E}" dt="2024-09-10T17:20:44.098" v="64"/>
+      <pc:docMkLst>
+        <pc:docMk/>
+      </pc:docMkLst>
+      <pc:sldChg chg="addSp delSp modSp mod modNotesTx">
+        <pc:chgData name="Cat Schlenker" userId="4795f5e3347afba5" providerId="LiveId" clId="{C4F4DA30-0D05-414F-B0B1-B4EECF11B26E}" dt="2024-09-10T17:20:44.098" v="64"/>
+        <pc:sldMkLst>
+          <pc:docMk/>
+          <pc:sldMk cId="567054300" sldId="266"/>
+        </pc:sldMkLst>
+        <pc:spChg chg="mod">
+          <ac:chgData name="Cat Schlenker" userId="4795f5e3347afba5" providerId="LiveId" clId="{C4F4DA30-0D05-414F-B0B1-B4EECF11B26E}" dt="2024-09-10T15:19:23.167" v="14" actId="20577"/>
+          <ac:spMkLst>
+            <pc:docMk/>
+            <pc:sldMk cId="567054300" sldId="266"/>
+            <ac:spMk id="2" creationId="{64396403-3A73-2485-715D-B8547AB15B7C}"/>
+          </ac:spMkLst>
+        </pc:spChg>
+        <pc:spChg chg="add del mod ord">
+          <ac:chgData name="Cat Schlenker" userId="4795f5e3347afba5" providerId="LiveId" clId="{C4F4DA30-0D05-414F-B0B1-B4EECF11B26E}" dt="2024-09-10T15:58:01.464" v="44"/>
+          <ac:spMkLst>
+            <pc:docMk/>
+            <pc:sldMk cId="567054300" sldId="266"/>
+            <ac:spMk id="4" creationId="{31F67224-822E-2FE0-65F2-E0333A1E07DE}"/>
+          </ac:spMkLst>
+        </pc:spChg>
+        <pc:spChg chg="del mod">
+          <ac:chgData name="Cat Schlenker" userId="4795f5e3347afba5" providerId="LiveId" clId="{C4F4DA30-0D05-414F-B0B1-B4EECF11B26E}" dt="2024-09-10T15:19:38.714" v="18" actId="478"/>
+          <ac:spMkLst>
+            <pc:docMk/>
+            <pc:sldMk cId="567054300" sldId="266"/>
+            <ac:spMk id="6" creationId="{6A2E4FD5-9154-7C20-74E3-661F98A126A7}"/>
+          </ac:spMkLst>
+        </pc:spChg>
+        <pc:graphicFrameChg chg="add mod">
+          <ac:chgData name="Cat Schlenker" userId="4795f5e3347afba5" providerId="LiveId" clId="{C4F4DA30-0D05-414F-B0B1-B4EECF11B26E}" dt="2024-09-10T15:58:01.464" v="44"/>
+          <ac:graphicFrameMkLst>
+            <pc:docMk/>
+            <pc:sldMk cId="567054300" sldId="266"/>
+            <ac:graphicFrameMk id="7" creationId="{722D13C5-9293-F964-862E-EA6ECC33A436}"/>
+          </ac:graphicFrameMkLst>
+        </pc:graphicFrameChg>
+        <pc:picChg chg="del">
+          <ac:chgData name="Cat Schlenker" userId="4795f5e3347afba5" providerId="LiveId" clId="{C4F4DA30-0D05-414F-B0B1-B4EECF11B26E}" dt="2024-09-10T15:19:25.121" v="15" actId="478"/>
+          <ac:picMkLst>
+            <pc:docMk/>
+            <pc:sldMk cId="567054300" sldId="266"/>
+            <ac:picMk id="5" creationId="{CFCA149D-F272-68D1-10D3-CA1ADA9FBEE8}"/>
+          </ac:picMkLst>
+        </pc:picChg>
+        <pc:picChg chg="add mod modCrop">
+          <ac:chgData name="Cat Schlenker" userId="4795f5e3347afba5" providerId="LiveId" clId="{C4F4DA30-0D05-414F-B0B1-B4EECF11B26E}" dt="2024-09-10T15:58:47.957" v="53" actId="1076"/>
+          <ac:picMkLst>
+            <pc:docMk/>
+            <pc:sldMk cId="567054300" sldId="266"/>
+            <ac:picMk id="9" creationId="{99543275-A658-BEBD-2CE3-94DC6799C5AC}"/>
+          </ac:picMkLst>
+        </pc:picChg>
+        <pc:picChg chg="add mod modCrop">
+          <ac:chgData name="Cat Schlenker" userId="4795f5e3347afba5" providerId="LiveId" clId="{C4F4DA30-0D05-414F-B0B1-B4EECF11B26E}" dt="2024-09-10T15:58:53.281" v="55" actId="14100"/>
+          <ac:picMkLst>
+            <pc:docMk/>
+            <pc:sldMk cId="567054300" sldId="266"/>
+            <ac:picMk id="11" creationId="{AC1EEDDE-DFB3-EEE1-7C1C-12364CFA8365}"/>
+          </ac:picMkLst>
+        </pc:picChg>
+        <pc:picChg chg="add mod modCrop">
+          <ac:chgData name="Cat Schlenker" userId="4795f5e3347afba5" providerId="LiveId" clId="{C4F4DA30-0D05-414F-B0B1-B4EECF11B26E}" dt="2024-09-10T15:59:27.436" v="61" actId="1076"/>
+          <ac:picMkLst>
+            <pc:docMk/>
+            <pc:sldMk cId="567054300" sldId="266"/>
+            <ac:picMk id="13" creationId="{D486C4DA-6169-9DFA-3DC9-CBBC5A63FE80}"/>
+          </ac:picMkLst>
+        </pc:picChg>
+      </pc:sldChg>
+    </pc:docChg>
+  </pc:docChgLst>
+</pc:chgInfo>
+</file>
+
+<file path=ppt/notesMasters/notesMaster1.xml><?xml version="1.0" encoding="utf-8"?>
+<p:notesMaster xmlns:a="http://schemas.openxmlformats.org/drawingml/2006/main" xmlns:r="http://schemas.openxmlformats.org/officeDocument/2006/relationships" xmlns:p="http://schemas.openxmlformats.org/presentationml/2006/main">
+  <p:cSld>
+    <p:bg>
+      <p:bgRef idx="1001">
+        <a:schemeClr val="bg1"/>
+      </p:bgRef>
+    </p:bg>
+    <p:spTree>
+      <p:nvGrpSpPr>
+        <p:cNvPr id="1" name=""/>
+        <p:cNvGrpSpPr/>
+        <p:nvPr/>
+      </p:nvGrpSpPr>
+      <p:grpSpPr>
+        <a:xfrm>
+          <a:off x="0" y="0"/>
+          <a:ext cx="0" cy="0"/>
+          <a:chOff x="0" y="0"/>
+          <a:chExt cx="0" cy="0"/>
+        </a:xfrm>
+      </p:grpSpPr>
+      <p:sp>
+        <p:nvSpPr>
+          <p:cNvPr id="2" name="Header Placeholder 1"/>
+          <p:cNvSpPr>
+            <a:spLocks noGrp="1"/>
+          </p:cNvSpPr>
+          <p:nvPr>
+            <p:ph type="hdr" sz="quarter"/>
+          </p:nvPr>
+        </p:nvSpPr>
+        <p:spPr>
+          <a:xfrm>
+            <a:off x="0" y="0"/>
+            <a:ext cx="2971800" cy="458788"/>
+          </a:xfrm>
+          <a:prstGeom prst="rect">
+            <a:avLst/>
+          </a:prstGeom>
+        </p:spPr>
+        <p:txBody>
+          <a:bodyPr vert="horz" lIns="91440" tIns="45720" rIns="91440" bIns="45720" rtlCol="0"/>
+          <a:lstStyle>
+            <a:lvl1pPr algn="l">
+              <a:defRPr sz="1200"/>
+            </a:lvl1pPr>
+          </a:lstStyle>
+          <a:p>
+            <a:endParaRPr lang="en-US"/>
+          </a:p>
+        </p:txBody>
+      </p:sp>
+      <p:sp>
+        <p:nvSpPr>
+          <p:cNvPr id="3" name="Date Placeholder 2"/>
+          <p:cNvSpPr>
+            <a:spLocks noGrp="1"/>
+          </p:cNvSpPr>
+          <p:nvPr>
+            <p:ph type="dt" idx="1"/>
+          </p:nvPr>
+        </p:nvSpPr>
+        <p:spPr>
+          <a:xfrm>
+            <a:off x="3884613" y="0"/>
+            <a:ext cx="2971800" cy="458788"/>
+          </a:xfrm>
+          <a:prstGeom prst="rect">
+            <a:avLst/>
+          </a:prstGeom>
+        </p:spPr>
+        <p:txBody>
+          <a:bodyPr vert="horz" lIns="91440" tIns="45720" rIns="91440" bIns="45720" rtlCol="0"/>
+          <a:lstStyle>
+            <a:lvl1pPr algn="r">
+              <a:defRPr sz="1200"/>
+            </a:lvl1pPr>
+          </a:lstStyle>
+          <a:p>
+            <a:fld id="{DF4B4233-EA93-41AF-BD1E-651B53496951}" type="datetimeFigureOut">
+              <a:rPr lang="en-US" smtClean="0"/>
+              <a:t>9/10/2024</a:t>
+            </a:fld>
+            <a:endParaRPr lang="en-US"/>
+          </a:p>
+        </p:txBody>
+      </p:sp>
+      <p:sp>
+        <p:nvSpPr>
+          <p:cNvPr id="4" name="Slide Image Placeholder 3"/>
+          <p:cNvSpPr>
+            <a:spLocks noGrp="1" noRot="1" noChangeAspect="1"/>
+          </p:cNvSpPr>
+          <p:nvPr>
+            <p:ph type="sldImg" idx="2"/>
+          </p:nvPr>
+        </p:nvSpPr>
+        <p:spPr>
+          <a:xfrm>
+            <a:off x="685800" y="1143000"/>
+            <a:ext cx="5486400" cy="3086100"/>
+          </a:xfrm>
+          <a:prstGeom prst="rect">
+            <a:avLst/>
+          </a:prstGeom>
+          <a:noFill/>
+          <a:ln w="12700">
+            <a:solidFill>
+              <a:prstClr val="black"/>
+            </a:solidFill>
+          </a:ln>
+        </p:spPr>
+        <p:txBody>
+          <a:bodyPr vert="horz" lIns="91440" tIns="45720" rIns="91440" bIns="45720" rtlCol="0" anchor="ctr"/>
+          <a:lstStyle/>
+          <a:p>
+            <a:endParaRPr lang="en-US"/>
+          </a:p>
+        </p:txBody>
+      </p:sp>
+      <p:sp>
+        <p:nvSpPr>
+          <p:cNvPr id="5" name="Notes Placeholder 4"/>
+          <p:cNvSpPr>
+            <a:spLocks noGrp="1"/>
+          </p:cNvSpPr>
+          <p:nvPr>
+            <p:ph type="body" sz="quarter" idx="3"/>
+          </p:nvPr>
+        </p:nvSpPr>
+        <p:spPr>
+          <a:xfrm>
+            <a:off x="685800" y="4400550"/>
+            <a:ext cx="5486400" cy="3600450"/>
+          </a:xfrm>
+          <a:prstGeom prst="rect">
+            <a:avLst/>
+          </a:prstGeom>
+        </p:spPr>
+        <p:txBody>
+          <a:bodyPr vert="horz" lIns="91440" tIns="45720" rIns="91440" bIns="45720" rtlCol="0"/>
+          <a:lstStyle/>
+          <a:p>
+            <a:pPr lvl="0"/>
+            <a:r>
+              <a:rPr lang="en-US"/>
+              <a:t>Click to edit Master text styles</a:t>
+            </a:r>
+          </a:p>
+          <a:p>
+            <a:pPr lvl="1"/>
+            <a:r>
+              <a:rPr lang="en-US"/>
+              <a:t>Second level</a:t>
+            </a:r>
+          </a:p>
+          <a:p>
+            <a:pPr lvl="2"/>
+            <a:r>
+              <a:rPr lang="en-US"/>
+              <a:t>Third level</a:t>
+            </a:r>
+          </a:p>
+          <a:p>
+            <a:pPr lvl="3"/>
+            <a:r>
+              <a:rPr lang="en-US"/>
+              <a:t>Fourth level</a:t>
+            </a:r>
+          </a:p>
+          <a:p>
+            <a:pPr lvl="4"/>
+            <a:r>
+              <a:rPr lang="en-US"/>
+              <a:t>Fifth level</a:t>
+            </a:r>
+          </a:p>
+        </p:txBody>
+      </p:sp>
+      <p:sp>
+        <p:nvSpPr>
+          <p:cNvPr id="6" name="Footer Placeholder 5"/>
+          <p:cNvSpPr>
+            <a:spLocks noGrp="1"/>
+          </p:cNvSpPr>
+          <p:nvPr>
+            <p:ph type="ftr" sz="quarter" idx="4"/>
+          </p:nvPr>
+        </p:nvSpPr>
+        <p:spPr>
+          <a:xfrm>
+            <a:off x="0" y="8685213"/>
+            <a:ext cx="2971800" cy="458787"/>
+          </a:xfrm>
+          <a:prstGeom prst="rect">
+            <a:avLst/>
+          </a:prstGeom>
+        </p:spPr>
+        <p:txBody>
+          <a:bodyPr vert="horz" lIns="91440" tIns="45720" rIns="91440" bIns="45720" rtlCol="0" anchor="b"/>
+          <a:lstStyle>
+            <a:lvl1pPr algn="l">
+              <a:defRPr sz="1200"/>
+            </a:lvl1pPr>
+          </a:lstStyle>
+          <a:p>
+            <a:endParaRPr lang="en-US"/>
+          </a:p>
+        </p:txBody>
+      </p:sp>
+      <p:sp>
+        <p:nvSpPr>
+          <p:cNvPr id="7" name="Slide Number Placeholder 6"/>
+          <p:cNvSpPr>
+            <a:spLocks noGrp="1"/>
+          </p:cNvSpPr>
+          <p:nvPr>
+            <p:ph type="sldNum" sz="quarter" idx="5"/>
+          </p:nvPr>
+        </p:nvSpPr>
+        <p:spPr>
+          <a:xfrm>
+            <a:off x="3884613" y="8685213"/>
+            <a:ext cx="2971800" cy="458787"/>
+          </a:xfrm>
+          <a:prstGeom prst="rect">
+            <a:avLst/>
+          </a:prstGeom>
+        </p:spPr>
+        <p:txBody>
+          <a:bodyPr vert="horz" lIns="91440" tIns="45720" rIns="91440" bIns="45720" rtlCol="0" anchor="b"/>
+          <a:lstStyle>
+            <a:lvl1pPr algn="r">
+              <a:defRPr sz="1200"/>
+            </a:lvl1pPr>
+          </a:lstStyle>
+          <a:p>
+            <a:fld id="{03070119-1B02-47A1-995E-D22DD942530B}" type="slidenum">
+              <a:rPr lang="en-US" smtClean="0"/>
+              <a:t>‹#›</a:t>
+            </a:fld>
+            <a:endParaRPr lang="en-US"/>
+          </a:p>
+        </p:txBody>
+      </p:sp>
+    </p:spTree>
+    <p:extLst>
+      <p:ext uri="{BB962C8B-B14F-4D97-AF65-F5344CB8AC3E}">
+        <p14:creationId xmlns:p14="http://schemas.microsoft.com/office/powerpoint/2010/main" val="2713239010"/>
+      </p:ext>
+    </p:extLst>
+  </p:cSld>
+  <p:clrMap bg1="lt1" tx1="dk1" bg2="lt2" tx2="dk2" accent1="accent1" accent2="accent2" accent3="accent3" accent4="accent4" accent5="accent5" accent6="accent6" hlink="hlink" folHlink="folHlink"/>
+  <p:notesStyle>
+    <a:lvl1pPr marL="0" algn="l" defTabSz="914400" rtl="0" eaLnBrk="1" latinLnBrk="0" hangingPunct="1">
+      <a:defRPr sz="1200" kern="1200">
+        <a:solidFill>
+          <a:schemeClr val="tx1"/>
+        </a:solidFill>
+        <a:latin typeface="+mn-lt"/>
+        <a:ea typeface="+mn-ea"/>
+        <a:cs typeface="+mn-cs"/>
+      </a:defRPr>
+    </a:lvl1pPr>
+    <a:lvl2pPr marL="457200" algn="l" defTabSz="914400" rtl="0" eaLnBrk="1" latinLnBrk="0" hangingPunct="1">
+      <a:defRPr sz="1200" kern="1200">
+        <a:solidFill>
+          <a:schemeClr val="tx1"/>
+        </a:solidFill>
+        <a:latin typeface="+mn-lt"/>
+        <a:ea typeface="+mn-ea"/>
+        <a:cs typeface="+mn-cs"/>
+      </a:defRPr>
+    </a:lvl2pPr>
+    <a:lvl3pPr marL="914400" algn="l" defTabSz="914400" rtl="0" eaLnBrk="1" latinLnBrk="0" hangingPunct="1">
+      <a:defRPr sz="1200" kern="1200">
+        <a:solidFill>
+          <a:schemeClr val="tx1"/>
+        </a:solidFill>
+        <a:latin typeface="+mn-lt"/>
+        <a:ea typeface="+mn-ea"/>
+        <a:cs typeface="+mn-cs"/>
+      </a:defRPr>
+    </a:lvl3pPr>
+    <a:lvl4pPr marL="1371600" algn="l" defTabSz="914400" rtl="0" eaLnBrk="1" latinLnBrk="0" hangingPunct="1">
+      <a:defRPr sz="1200" kern="1200">
+        <a:solidFill>
+          <a:schemeClr val="tx1"/>
+        </a:solidFill>
+        <a:latin typeface="+mn-lt"/>
+        <a:ea typeface="+mn-ea"/>
+        <a:cs typeface="+mn-cs"/>
+      </a:defRPr>
+    </a:lvl4pPr>
+    <a:lvl5pPr marL="1828800" algn="l" defTabSz="914400" rtl="0" eaLnBrk="1" latinLnBrk="0" hangingPunct="1">
+      <a:defRPr sz="1200" kern="1200">
+        <a:solidFill>
+          <a:schemeClr val="tx1"/>
+        </a:solidFill>
+        <a:latin typeface="+mn-lt"/>
+        <a:ea typeface="+mn-ea"/>
+        <a:cs typeface="+mn-cs"/>
+      </a:defRPr>
+    </a:lvl5pPr>
+    <a:lvl6pPr marL="2286000" algn="l" defTabSz="914400" rtl="0" eaLnBrk="1" latinLnBrk="0" hangingPunct="1">
+      <a:defRPr sz="1200" kern="1200">
+        <a:solidFill>
+          <a:schemeClr val="tx1"/>
+        </a:solidFill>
+        <a:latin typeface="+mn-lt"/>
+        <a:ea typeface="+mn-ea"/>
+        <a:cs typeface="+mn-cs"/>
+      </a:defRPr>
+    </a:lvl6pPr>
+    <a:lvl7pPr marL="2743200" algn="l" defTabSz="914400" rtl="0" eaLnBrk="1" latinLnBrk="0" hangingPunct="1">
+      <a:defRPr sz="1200" kern="1200">
+        <a:solidFill>
+          <a:schemeClr val="tx1"/>
+        </a:solidFill>
+        <a:latin typeface="+mn-lt"/>
+        <a:ea typeface="+mn-ea"/>
+        <a:cs typeface="+mn-cs"/>
+      </a:defRPr>
+    </a:lvl7pPr>
+    <a:lvl8pPr marL="3200400" algn="l" defTabSz="914400" rtl="0" eaLnBrk="1" latinLnBrk="0" hangingPunct="1">
+      <a:defRPr sz="1200" kern="1200">
+        <a:solidFill>
+          <a:schemeClr val="tx1"/>
+        </a:solidFill>
+        <a:latin typeface="+mn-lt"/>
+        <a:ea typeface="+mn-ea"/>
+        <a:cs typeface="+mn-cs"/>
+      </a:defRPr>
+    </a:lvl8pPr>
+    <a:lvl9pPr marL="3657600" algn="l" defTabSz="914400" rtl="0" eaLnBrk="1" latinLnBrk="0" hangingPunct="1">
+      <a:defRPr sz="1200" kern="1200">
+        <a:solidFill>
+          <a:schemeClr val="tx1"/>
+        </a:solidFill>
+        <a:latin typeface="+mn-lt"/>
+        <a:ea typeface="+mn-ea"/>
+        <a:cs typeface="+mn-cs"/>
+      </a:defRPr>
+    </a:lvl9pPr>
+  </p:notesStyle>
+</p:notesMaster>
+</file>
+
+<file path=ppt/notesSlides/notesSlide1.xml><?xml version="1.0" encoding="utf-8"?>
+<p:notes xmlns:a="http://schemas.openxmlformats.org/drawingml/2006/main" xmlns:r="http://schemas.openxmlformats.org/officeDocument/2006/relationships" xmlns:p="http://schemas.openxmlformats.org/presentationml/2006/main">
+  <p:cSld>
+    <p:spTree>
+      <p:nvGrpSpPr>
+        <p:cNvPr id="1" name=""/>
+        <p:cNvGrpSpPr/>
+        <p:nvPr/>
+      </p:nvGrpSpPr>
+      <p:grpSpPr>
+        <a:xfrm>
+          <a:off x="0" y="0"/>
+          <a:ext cx="0" cy="0"/>
+          <a:chOff x="0" y="0"/>
+          <a:chExt cx="0" cy="0"/>
+        </a:xfrm>
+      </p:grpSpPr>
+      <p:sp>
+        <p:nvSpPr>
+          <p:cNvPr id="2" name="Slide Image Placeholder 1"/>
+          <p:cNvSpPr>
+            <a:spLocks noGrp="1" noRot="1" noChangeAspect="1"/>
+          </p:cNvSpPr>
+          <p:nvPr>
+            <p:ph type="sldImg"/>
+          </p:nvPr>
+        </p:nvSpPr>
+        <p:spPr/>
+      </p:sp>
+      <p:sp>
+        <p:nvSpPr>
+          <p:cNvPr id="3" name="Notes Placeholder 2"/>
+          <p:cNvSpPr>
+            <a:spLocks noGrp="1"/>
+          </p:cNvSpPr>
+          <p:nvPr>
+            <p:ph type="body" idx="1"/>
+          </p:nvPr>
+        </p:nvSpPr>
+        <p:spPr/>
+        <p:txBody>
+          <a:bodyPr/>
+          <a:lstStyle/>
+          <a:p>
+            <a:r>
+              <a:rPr lang="en-US" dirty="0"/>
+              <a:t>https://www.datanovia.com/en/lessons/normality-test-in-r/</a:t>
+            </a:r>
+          </a:p>
+          <a:p>
+            <a:r>
+              <a:rPr lang="en-US" dirty="0"/>
+              <a:t>https://stats.stackexchange.com/questions/191202/do-i-have-to-test-normality-for-both-groups-when-comparing-from-a-single-populat</a:t>
+            </a:r>
+          </a:p>
+        </p:txBody>
+      </p:sp>
+      <p:sp>
+        <p:nvSpPr>
+          <p:cNvPr id="4" name="Slide Number Placeholder 3"/>
+          <p:cNvSpPr>
+            <a:spLocks noGrp="1"/>
+          </p:cNvSpPr>
+          <p:nvPr>
+            <p:ph type="sldNum" sz="quarter" idx="5"/>
+          </p:nvPr>
+        </p:nvSpPr>
+        <p:spPr/>
+        <p:txBody>
+          <a:bodyPr/>
+          <a:lstStyle/>
+          <a:p>
+            <a:fld id="{03070119-1B02-47A1-995E-D22DD942530B}" type="slidenum">
+              <a:rPr lang="en-US" smtClean="0"/>
+              <a:t>2</a:t>
+            </a:fld>
+            <a:endParaRPr lang="en-US"/>
+          </a:p>
+        </p:txBody>
+      </p:sp>
+    </p:spTree>
+    <p:extLst>
+      <p:ext uri="{BB962C8B-B14F-4D97-AF65-F5344CB8AC3E}">
+        <p14:creationId xmlns:p14="http://schemas.microsoft.com/office/powerpoint/2010/main" val="3983948143"/>
+      </p:ext>
+    </p:extLst>
+  </p:cSld>
+  <p:clrMapOvr>
+    <a:masterClrMapping/>
+  </p:clrMapOvr>
+</p:notes>
 </file>
 
 <file path=ppt/slideLayouts/slideLayout1.xml><?xml version="1.0" encoding="utf-8"?>
@@ -262,7 +806,7 @@
           <a:p>
             <a:fld id="{F63DFC3A-2FD0-4096-9F32-4F56E9B05499}" type="datetimeFigureOut">
               <a:rPr lang="en-US" smtClean="0"/>
-              <a:t>9/9/2024</a:t>
+              <a:t>9/10/2024</a:t>
             </a:fld>
             <a:endParaRPr lang="en-US"/>
           </a:p>
@@ -460,7 +1004,7 @@
           <a:p>
             <a:fld id="{F63DFC3A-2FD0-4096-9F32-4F56E9B05499}" type="datetimeFigureOut">
               <a:rPr lang="en-US" smtClean="0"/>
-              <a:t>9/9/2024</a:t>
+              <a:t>9/10/2024</a:t>
             </a:fld>
             <a:endParaRPr lang="en-US"/>
           </a:p>
@@ -668,7 +1212,7 @@
           <a:p>
             <a:fld id="{F63DFC3A-2FD0-4096-9F32-4F56E9B05499}" type="datetimeFigureOut">
               <a:rPr lang="en-US" smtClean="0"/>
-              <a:t>9/9/2024</a:t>
+              <a:t>9/10/2024</a:t>
             </a:fld>
             <a:endParaRPr lang="en-US"/>
           </a:p>
@@ -866,7 +1410,7 @@
           <a:p>
             <a:fld id="{F63DFC3A-2FD0-4096-9F32-4F56E9B05499}" type="datetimeFigureOut">
               <a:rPr lang="en-US" smtClean="0"/>
-              <a:t>9/9/2024</a:t>
+              <a:t>9/10/2024</a:t>
             </a:fld>
             <a:endParaRPr lang="en-US"/>
           </a:p>
@@ -1141,7 +1685,7 @@
           <a:p>
             <a:fld id="{F63DFC3A-2FD0-4096-9F32-4F56E9B05499}" type="datetimeFigureOut">
               <a:rPr lang="en-US" smtClean="0"/>
-              <a:t>9/9/2024</a:t>
+              <a:t>9/10/2024</a:t>
             </a:fld>
             <a:endParaRPr lang="en-US"/>
           </a:p>
@@ -1406,7 +1950,7 @@
           <a:p>
             <a:fld id="{F63DFC3A-2FD0-4096-9F32-4F56E9B05499}" type="datetimeFigureOut">
               <a:rPr lang="en-US" smtClean="0"/>
-              <a:t>9/9/2024</a:t>
+              <a:t>9/10/2024</a:t>
             </a:fld>
             <a:endParaRPr lang="en-US"/>
           </a:p>
@@ -1818,7 +2362,7 @@
           <a:p>
             <a:fld id="{F63DFC3A-2FD0-4096-9F32-4F56E9B05499}" type="datetimeFigureOut">
               <a:rPr lang="en-US" smtClean="0"/>
-              <a:t>9/9/2024</a:t>
+              <a:t>9/10/2024</a:t>
             </a:fld>
             <a:endParaRPr lang="en-US"/>
           </a:p>
@@ -1959,7 +2503,7 @@
           <a:p>
             <a:fld id="{F63DFC3A-2FD0-4096-9F32-4F56E9B05499}" type="datetimeFigureOut">
               <a:rPr lang="en-US" smtClean="0"/>
-              <a:t>9/9/2024</a:t>
+              <a:t>9/10/2024</a:t>
             </a:fld>
             <a:endParaRPr lang="en-US"/>
           </a:p>
@@ -2072,7 +2616,7 @@
           <a:p>
             <a:fld id="{F63DFC3A-2FD0-4096-9F32-4F56E9B05499}" type="datetimeFigureOut">
               <a:rPr lang="en-US" smtClean="0"/>
-              <a:t>9/9/2024</a:t>
+              <a:t>9/10/2024</a:t>
             </a:fld>
             <a:endParaRPr lang="en-US"/>
           </a:p>
@@ -2383,7 +2927,7 @@
           <a:p>
             <a:fld id="{F63DFC3A-2FD0-4096-9F32-4F56E9B05499}" type="datetimeFigureOut">
               <a:rPr lang="en-US" smtClean="0"/>
-              <a:t>9/9/2024</a:t>
+              <a:t>9/10/2024</a:t>
             </a:fld>
             <a:endParaRPr lang="en-US"/>
           </a:p>
@@ -2671,7 +3215,7 @@
           <a:p>
             <a:fld id="{F63DFC3A-2FD0-4096-9F32-4F56E9B05499}" type="datetimeFigureOut">
               <a:rPr lang="en-US" smtClean="0"/>
-              <a:t>9/9/2024</a:t>
+              <a:t>9/10/2024</a:t>
             </a:fld>
             <a:endParaRPr lang="en-US"/>
           </a:p>
@@ -2912,7 +3456,7 @@
           <a:p>
             <a:fld id="{F63DFC3A-2FD0-4096-9F32-4F56E9B05499}" type="datetimeFigureOut">
               <a:rPr lang="en-US" smtClean="0"/>
-              <a:t>9/9/2024</a:t>
+              <a:t>9/10/2024</a:t>
             </a:fld>
             <a:endParaRPr lang="en-US"/>
           </a:p>
@@ -4033,7 +4577,7 @@
 </p:sld>
 </file>
 
-<file path=ppt/slides/slide2.xml><?xml version="1.0" encoding="utf-8"?>
+<file path=ppt/slides/slide10.xml><?xml version="1.0" encoding="utf-8"?>
 <p:sld xmlns:a="http://schemas.openxmlformats.org/drawingml/2006/main" xmlns:r="http://schemas.openxmlformats.org/officeDocument/2006/relationships" xmlns:p="http://schemas.openxmlformats.org/presentationml/2006/main">
   <p:cSld>
     <p:bg>
@@ -4129,8 +4673,37 @@
           <a:bodyPr rtlCol="0" anchor="ctr"/>
           <a:lstStyle/>
           <a:p>
-            <a:pPr algn="ctr"/>
-            <a:endParaRPr lang="en-US"/>
+            <a:pPr marL="0" marR="0" lvl="0" indent="0" algn="ctr" defTabSz="914400" rtl="0" eaLnBrk="1" fontAlgn="auto" latinLnBrk="0" hangingPunct="1">
+              <a:lnSpc>
+                <a:spcPct val="100000"/>
+              </a:lnSpc>
+              <a:spcBef>
+                <a:spcPts val="0"/>
+              </a:spcBef>
+              <a:spcAft>
+                <a:spcPts val="0"/>
+              </a:spcAft>
+              <a:buClrTx/>
+              <a:buSzTx/>
+              <a:buFontTx/>
+              <a:buNone/>
+              <a:tabLst/>
+              <a:defRPr/>
+            </a:pPr>
+            <a:endParaRPr kumimoji="0" lang="en-US" sz="1800" b="0" i="0" u="none" strike="noStrike" kern="1200" cap="none" spc="0" normalizeH="0" baseline="0" noProof="0">
+              <a:ln>
+                <a:noFill/>
+              </a:ln>
+              <a:solidFill>
+                <a:prstClr val="white"/>
+              </a:solidFill>
+              <a:effectLst/>
+              <a:uLnTx/>
+              <a:uFillTx/>
+              <a:latin typeface="Aptos" panose="02110004020202020204"/>
+              <a:ea typeface="+mn-ea"/>
+              <a:cs typeface="+mn-cs"/>
+            </a:endParaRPr>
           </a:p>
         </p:txBody>
       </p:sp>
@@ -4202,8 +4775,37 @@
           <a:bodyPr rtlCol="0" anchor="ctr"/>
           <a:lstStyle/>
           <a:p>
-            <a:pPr algn="ctr"/>
-            <a:endParaRPr lang="en-US"/>
+            <a:pPr marL="0" marR="0" lvl="0" indent="0" algn="ctr" defTabSz="914400" rtl="0" eaLnBrk="1" fontAlgn="auto" latinLnBrk="0" hangingPunct="1">
+              <a:lnSpc>
+                <a:spcPct val="100000"/>
+              </a:lnSpc>
+              <a:spcBef>
+                <a:spcPts val="0"/>
+              </a:spcBef>
+              <a:spcAft>
+                <a:spcPts val="0"/>
+              </a:spcAft>
+              <a:buClrTx/>
+              <a:buSzTx/>
+              <a:buFontTx/>
+              <a:buNone/>
+              <a:tabLst/>
+              <a:defRPr/>
+            </a:pPr>
+            <a:endParaRPr kumimoji="0" lang="en-US" sz="1800" b="0" i="0" u="none" strike="noStrike" kern="1200" cap="none" spc="0" normalizeH="0" baseline="0" noProof="0">
+              <a:ln>
+                <a:noFill/>
+              </a:ln>
+              <a:solidFill>
+                <a:prstClr val="white"/>
+              </a:solidFill>
+              <a:effectLst/>
+              <a:uLnTx/>
+              <a:uFillTx/>
+              <a:latin typeface="Aptos" panose="02110004020202020204"/>
+              <a:ea typeface="+mn-ea"/>
+              <a:cs typeface="+mn-cs"/>
+            </a:endParaRPr>
           </a:p>
         </p:txBody>
       </p:sp>
@@ -4278,8 +4880,37 @@
           <a:bodyPr rtlCol="0" anchor="ctr"/>
           <a:lstStyle/>
           <a:p>
-            <a:pPr algn="ctr"/>
-            <a:endParaRPr lang="en-US"/>
+            <a:pPr marL="0" marR="0" lvl="0" indent="0" algn="ctr" defTabSz="914400" rtl="0" eaLnBrk="1" fontAlgn="auto" latinLnBrk="0" hangingPunct="1">
+              <a:lnSpc>
+                <a:spcPct val="100000"/>
+              </a:lnSpc>
+              <a:spcBef>
+                <a:spcPts val="0"/>
+              </a:spcBef>
+              <a:spcAft>
+                <a:spcPts val="0"/>
+              </a:spcAft>
+              <a:buClrTx/>
+              <a:buSzTx/>
+              <a:buFontTx/>
+              <a:buNone/>
+              <a:tabLst/>
+              <a:defRPr/>
+            </a:pPr>
+            <a:endParaRPr kumimoji="0" lang="en-US" sz="1800" b="0" i="0" u="none" strike="noStrike" kern="1200" cap="none" spc="0" normalizeH="0" baseline="0" noProof="0">
+              <a:ln>
+                <a:noFill/>
+              </a:ln>
+              <a:solidFill>
+                <a:prstClr val="white"/>
+              </a:solidFill>
+              <a:effectLst/>
+              <a:uLnTx/>
+              <a:uFillTx/>
+              <a:latin typeface="Aptos" panose="02110004020202020204"/>
+              <a:ea typeface="+mn-ea"/>
+              <a:cs typeface="+mn-cs"/>
+            </a:endParaRPr>
           </a:p>
         </p:txBody>
       </p:sp>
@@ -4353,8 +4984,37 @@
           <a:bodyPr rtlCol="0" anchor="ctr"/>
           <a:lstStyle/>
           <a:p>
-            <a:pPr algn="ctr"/>
-            <a:endParaRPr lang="en-US"/>
+            <a:pPr marL="0" marR="0" lvl="0" indent="0" algn="ctr" defTabSz="914400" rtl="0" eaLnBrk="1" fontAlgn="auto" latinLnBrk="0" hangingPunct="1">
+              <a:lnSpc>
+                <a:spcPct val="100000"/>
+              </a:lnSpc>
+              <a:spcBef>
+                <a:spcPts val="0"/>
+              </a:spcBef>
+              <a:spcAft>
+                <a:spcPts val="0"/>
+              </a:spcAft>
+              <a:buClrTx/>
+              <a:buSzTx/>
+              <a:buFontTx/>
+              <a:buNone/>
+              <a:tabLst/>
+              <a:defRPr/>
+            </a:pPr>
+            <a:endParaRPr kumimoji="0" lang="en-US" sz="1800" b="0" i="0" u="none" strike="noStrike" kern="1200" cap="none" spc="0" normalizeH="0" baseline="0" noProof="0">
+              <a:ln>
+                <a:noFill/>
+              </a:ln>
+              <a:solidFill>
+                <a:prstClr val="white"/>
+              </a:solidFill>
+              <a:effectLst/>
+              <a:uLnTx/>
+              <a:uFillTx/>
+              <a:latin typeface="Aptos" panose="02110004020202020204"/>
+              <a:ea typeface="+mn-ea"/>
+              <a:cs typeface="+mn-cs"/>
+            </a:endParaRPr>
           </a:p>
         </p:txBody>
       </p:sp>
@@ -4429,8 +5089,37 @@
           <a:bodyPr rtlCol="0" anchor="ctr"/>
           <a:lstStyle/>
           <a:p>
-            <a:pPr algn="ctr"/>
-            <a:endParaRPr lang="en-US"/>
+            <a:pPr marL="0" marR="0" lvl="0" indent="0" algn="ctr" defTabSz="914400" rtl="0" eaLnBrk="1" fontAlgn="auto" latinLnBrk="0" hangingPunct="1">
+              <a:lnSpc>
+                <a:spcPct val="100000"/>
+              </a:lnSpc>
+              <a:spcBef>
+                <a:spcPts val="0"/>
+              </a:spcBef>
+              <a:spcAft>
+                <a:spcPts val="0"/>
+              </a:spcAft>
+              <a:buClrTx/>
+              <a:buSzTx/>
+              <a:buFontTx/>
+              <a:buNone/>
+              <a:tabLst/>
+              <a:defRPr/>
+            </a:pPr>
+            <a:endParaRPr kumimoji="0" lang="en-US" sz="1800" b="0" i="0" u="none" strike="noStrike" kern="1200" cap="none" spc="0" normalizeH="0" baseline="0" noProof="0">
+              <a:ln>
+                <a:noFill/>
+              </a:ln>
+              <a:solidFill>
+                <a:prstClr val="white"/>
+              </a:solidFill>
+              <a:effectLst/>
+              <a:uLnTx/>
+              <a:uFillTx/>
+              <a:latin typeface="Aptos" panose="02110004020202020204"/>
+              <a:ea typeface="+mn-ea"/>
+              <a:cs typeface="+mn-cs"/>
+            </a:endParaRPr>
           </a:p>
         </p:txBody>
       </p:sp>
@@ -4463,27 +5152,22 @@
           <a:lstStyle/>
           <a:p>
             <a:r>
-              <a:rPr lang="en-US" sz="4000">
+              <a:rPr lang="en-US" sz="4000" dirty="0">
                 <a:solidFill>
                   <a:srgbClr val="FFFFFF"/>
                 </a:solidFill>
               </a:rPr>
-              <a:t>Carbamazepine - Biomass</a:t>
-            </a:r>
-            <a:endParaRPr lang="en-US" sz="4000" dirty="0">
-              <a:solidFill>
-                <a:srgbClr val="FFFFFF"/>
-              </a:solidFill>
-            </a:endParaRPr>
+              <a:t>6ppd Quinone - PAM</a:t>
+            </a:r>
           </a:p>
         </p:txBody>
       </p:sp>
       <p:pic>
         <p:nvPicPr>
-          <p:cNvPr id="5" name="Content Placeholder 4" descr="A graph of a graph&#10;&#10;Description automatically generated with medium confidence">
-            <a:extLst>
-              <a:ext uri="{FF2B5EF4-FFF2-40B4-BE49-F238E27FC236}">
-                <a16:creationId xmlns:a16="http://schemas.microsoft.com/office/drawing/2014/main" id="{CFCA149D-F272-68D1-10D3-CA1ADA9FBEE8}"/>
+          <p:cNvPr id="5" name="Content Placeholder 4" descr="A graph of a chart&#10;&#10;Description automatically generated with medium confidence">
+            <a:extLst>
+              <a:ext uri="{FF2B5EF4-FFF2-40B4-BE49-F238E27FC236}">
+                <a16:creationId xmlns:a16="http://schemas.microsoft.com/office/drawing/2014/main" id="{6A263C9C-1B78-9932-7B8A-C6BCF65177D7}"/>
               </a:ext>
             </a:extLst>
           </p:cNvPr>
@@ -4508,8 +5192,8 @@
         </p:blipFill>
         <p:spPr>
           <a:xfrm>
-            <a:off x="-4" y="1590741"/>
-            <a:ext cx="8277120" cy="5267259"/>
+            <a:off x="-1" y="1586706"/>
+            <a:ext cx="8283461" cy="5271294"/>
           </a:xfrm>
         </p:spPr>
       </p:pic>
@@ -4518,7 +5202,7 @@
           <p:cNvPr id="6" name="TextBox 5">
             <a:extLst>
               <a:ext uri="{FF2B5EF4-FFF2-40B4-BE49-F238E27FC236}">
-                <a16:creationId xmlns:a16="http://schemas.microsoft.com/office/drawing/2014/main" id="{6A2E4FD5-9154-7C20-74E3-661F98A126A7}"/>
+                <a16:creationId xmlns:a16="http://schemas.microsoft.com/office/drawing/2014/main" id="{59E21841-FB8F-BBE7-EA2B-8E33B4CBC526}"/>
               </a:ext>
             </a:extLst>
           </p:cNvPr>
@@ -4527,8 +5211,8 @@
         </p:nvSpPr>
         <p:spPr>
           <a:xfrm>
-            <a:off x="8830686" y="2242557"/>
-            <a:ext cx="2645923" cy="3416320"/>
+            <a:off x="8830686" y="2381056"/>
+            <a:ext cx="2645923" cy="3970318"/>
           </a:xfrm>
           <a:prstGeom prst="rect">
             <a:avLst/>
@@ -4543,7 +5227,7 @@
           <a:p>
             <a:r>
               <a:rPr lang="en-US" dirty="0"/>
-              <a:t>ANOVA: p = 0.000102</a:t>
+              <a:t>ANOVA: p = &lt;2e-16</a:t>
             </a:r>
           </a:p>
           <a:p>
@@ -4553,7 +5237,7 @@
             </a:pPr>
             <a:r>
               <a:rPr lang="en-US" dirty="0"/>
-              <a:t>Acetone Control &gt; Time Zero</a:t>
+              <a:t>Methanol Control, 10% max, 25% Max, 50% Max, 75% Max, 100% Max, 125% Max &gt; Control</a:t>
             </a:r>
           </a:p>
           <a:p>
@@ -4563,7 +5247,7 @@
             </a:pPr>
             <a:r>
               <a:rPr lang="en-US" dirty="0"/>
-              <a:t>50% Max &gt; Control</a:t>
+              <a:t>100% Max &gt; Methanol Control </a:t>
             </a:r>
           </a:p>
           <a:p>
@@ -4573,77 +5257,7 @@
             </a:pPr>
             <a:r>
               <a:rPr lang="en-US" dirty="0"/>
-              <a:t>25% Max &gt; Control</a:t>
-            </a:r>
-          </a:p>
-          <a:p>
-            <a:pPr marL="285750" indent="-285750">
-              <a:buFont typeface="Arial" panose="020B0604020202020204" pitchFamily="34" charset="0"/>
-              <a:buChar char="•"/>
-            </a:pPr>
-            <a:r>
-              <a:rPr lang="en-US" dirty="0"/>
-              <a:t>Control &gt; Time Zero</a:t>
-            </a:r>
-          </a:p>
-          <a:p>
-            <a:pPr marL="285750" indent="-285750">
-              <a:buFont typeface="Arial" panose="020B0604020202020204" pitchFamily="34" charset="0"/>
-              <a:buChar char="•"/>
-            </a:pPr>
-            <a:r>
-              <a:rPr lang="en-US" dirty="0"/>
-              <a:t>50% Max &gt; T0</a:t>
-            </a:r>
-          </a:p>
-          <a:p>
-            <a:pPr marL="285750" indent="-285750">
-              <a:buFont typeface="Arial" panose="020B0604020202020204" pitchFamily="34" charset="0"/>
-              <a:buChar char="•"/>
-            </a:pPr>
-            <a:r>
-              <a:rPr lang="en-US" dirty="0"/>
-              <a:t>100% Max &gt; T0</a:t>
-            </a:r>
-          </a:p>
-          <a:p>
-            <a:pPr marL="285750" indent="-285750">
-              <a:buFont typeface="Arial" panose="020B0604020202020204" pitchFamily="34" charset="0"/>
-              <a:buChar char="•"/>
-            </a:pPr>
-            <a:r>
-              <a:rPr lang="en-US" dirty="0"/>
-              <a:t>125% Max &gt; T0</a:t>
-            </a:r>
-          </a:p>
-          <a:p>
-            <a:pPr marL="285750" indent="-285750">
-              <a:buFont typeface="Arial" panose="020B0604020202020204" pitchFamily="34" charset="0"/>
-              <a:buChar char="•"/>
-            </a:pPr>
-            <a:r>
-              <a:rPr lang="en-US" dirty="0"/>
-              <a:t>75% Max &gt; T0</a:t>
-            </a:r>
-          </a:p>
-          <a:p>
-            <a:pPr marL="285750" indent="-285750">
-              <a:buFont typeface="Arial" panose="020B0604020202020204" pitchFamily="34" charset="0"/>
-              <a:buChar char="•"/>
-            </a:pPr>
-            <a:r>
-              <a:rPr lang="en-US" dirty="0"/>
-              <a:t>10% Max &gt; T0</a:t>
-            </a:r>
-          </a:p>
-          <a:p>
-            <a:pPr marL="285750" indent="-285750">
-              <a:buFont typeface="Arial" panose="020B0604020202020204" pitchFamily="34" charset="0"/>
-              <a:buChar char="•"/>
-            </a:pPr>
-            <a:r>
-              <a:rPr lang="en-US" dirty="0"/>
-              <a:t>25% Max &gt; T0</a:t>
+              <a:t>Control, Methanol Control, 10% max, 25% Max, 50% Max, 75% Max, 100% Max, 125% Max  &gt; Time Zero</a:t>
             </a:r>
           </a:p>
         </p:txBody>
@@ -4651,7 +5265,7 @@
     </p:spTree>
     <p:extLst>
       <p:ext uri="{BB962C8B-B14F-4D97-AF65-F5344CB8AC3E}">
-        <p14:creationId xmlns:p14="http://schemas.microsoft.com/office/powerpoint/2010/main" val="1998926694"/>
+        <p14:creationId xmlns:p14="http://schemas.microsoft.com/office/powerpoint/2010/main" val="331943307"/>
       </p:ext>
     </p:extLst>
   </p:cSld>
@@ -4661,7 +5275,7 @@
 </p:sld>
 </file>
 
-<file path=ppt/slides/slide3.xml><?xml version="1.0" encoding="utf-8"?>
+<file path=ppt/slides/slide2.xml><?xml version="1.0" encoding="utf-8"?>
 <p:sld xmlns:a="http://schemas.openxmlformats.org/drawingml/2006/main" xmlns:r="http://schemas.openxmlformats.org/officeDocument/2006/relationships" xmlns:p="http://schemas.openxmlformats.org/presentationml/2006/main">
   <p:cSld>
     <p:bg>
@@ -4686,6 +5300,31 @@
           <a:chExt cx="0" cy="0"/>
         </a:xfrm>
       </p:grpSpPr>
+      <p:sp>
+        <p:nvSpPr>
+          <p:cNvPr id="4" name="Content Placeholder 3">
+            <a:extLst>
+              <a:ext uri="{FF2B5EF4-FFF2-40B4-BE49-F238E27FC236}">
+                <a16:creationId xmlns:a16="http://schemas.microsoft.com/office/drawing/2014/main" id="{31F67224-822E-2FE0-65F2-E0333A1E07DE}"/>
+              </a:ext>
+            </a:extLst>
+          </p:cNvPr>
+          <p:cNvSpPr>
+            <a:spLocks noGrp="1"/>
+          </p:cNvSpPr>
+          <p:nvPr>
+            <p:ph idx="1"/>
+          </p:nvPr>
+        </p:nvSpPr>
+        <p:spPr/>
+        <p:txBody>
+          <a:bodyPr/>
+          <a:lstStyle/>
+          <a:p>
+            <a:endParaRPr lang="en-US" dirty="0"/>
+          </a:p>
+        </p:txBody>
+      </p:sp>
       <p:sp useBgFill="1">
         <p:nvSpPr>
           <p:cNvPr id="8" name="Rectangle 7">
@@ -4757,8 +5396,37 @@
           <a:bodyPr rtlCol="0" anchor="ctr"/>
           <a:lstStyle/>
           <a:p>
-            <a:pPr algn="ctr"/>
-            <a:endParaRPr lang="en-US"/>
+            <a:pPr marL="0" marR="0" lvl="0" indent="0" algn="ctr" defTabSz="914400" rtl="0" eaLnBrk="1" fontAlgn="auto" latinLnBrk="0" hangingPunct="1">
+              <a:lnSpc>
+                <a:spcPct val="100000"/>
+              </a:lnSpc>
+              <a:spcBef>
+                <a:spcPts val="0"/>
+              </a:spcBef>
+              <a:spcAft>
+                <a:spcPts val="0"/>
+              </a:spcAft>
+              <a:buClrTx/>
+              <a:buSzTx/>
+              <a:buFontTx/>
+              <a:buNone/>
+              <a:tabLst/>
+              <a:defRPr/>
+            </a:pPr>
+            <a:endParaRPr kumimoji="0" lang="en-US" sz="1800" b="0" i="0" u="none" strike="noStrike" kern="1200" cap="none" spc="0" normalizeH="0" baseline="0" noProof="0">
+              <a:ln>
+                <a:noFill/>
+              </a:ln>
+              <a:solidFill>
+                <a:prstClr val="white"/>
+              </a:solidFill>
+              <a:effectLst/>
+              <a:uLnTx/>
+              <a:uFillTx/>
+              <a:latin typeface="Aptos" panose="02110004020202020204"/>
+              <a:ea typeface="+mn-ea"/>
+              <a:cs typeface="+mn-cs"/>
+            </a:endParaRPr>
           </a:p>
         </p:txBody>
       </p:sp>
@@ -4830,8 +5498,37 @@
           <a:bodyPr rtlCol="0" anchor="ctr"/>
           <a:lstStyle/>
           <a:p>
-            <a:pPr algn="ctr"/>
-            <a:endParaRPr lang="en-US"/>
+            <a:pPr marL="0" marR="0" lvl="0" indent="0" algn="ctr" defTabSz="914400" rtl="0" eaLnBrk="1" fontAlgn="auto" latinLnBrk="0" hangingPunct="1">
+              <a:lnSpc>
+                <a:spcPct val="100000"/>
+              </a:lnSpc>
+              <a:spcBef>
+                <a:spcPts val="0"/>
+              </a:spcBef>
+              <a:spcAft>
+                <a:spcPts val="0"/>
+              </a:spcAft>
+              <a:buClrTx/>
+              <a:buSzTx/>
+              <a:buFontTx/>
+              <a:buNone/>
+              <a:tabLst/>
+              <a:defRPr/>
+            </a:pPr>
+            <a:endParaRPr kumimoji="0" lang="en-US" sz="1800" b="0" i="0" u="none" strike="noStrike" kern="1200" cap="none" spc="0" normalizeH="0" baseline="0" noProof="0">
+              <a:ln>
+                <a:noFill/>
+              </a:ln>
+              <a:solidFill>
+                <a:prstClr val="white"/>
+              </a:solidFill>
+              <a:effectLst/>
+              <a:uLnTx/>
+              <a:uFillTx/>
+              <a:latin typeface="Aptos" panose="02110004020202020204"/>
+              <a:ea typeface="+mn-ea"/>
+              <a:cs typeface="+mn-cs"/>
+            </a:endParaRPr>
           </a:p>
         </p:txBody>
       </p:sp>
@@ -4906,8 +5603,37 @@
           <a:bodyPr rtlCol="0" anchor="ctr"/>
           <a:lstStyle/>
           <a:p>
-            <a:pPr algn="ctr"/>
-            <a:endParaRPr lang="en-US"/>
+            <a:pPr marL="0" marR="0" lvl="0" indent="0" algn="ctr" defTabSz="914400" rtl="0" eaLnBrk="1" fontAlgn="auto" latinLnBrk="0" hangingPunct="1">
+              <a:lnSpc>
+                <a:spcPct val="100000"/>
+              </a:lnSpc>
+              <a:spcBef>
+                <a:spcPts val="0"/>
+              </a:spcBef>
+              <a:spcAft>
+                <a:spcPts val="0"/>
+              </a:spcAft>
+              <a:buClrTx/>
+              <a:buSzTx/>
+              <a:buFontTx/>
+              <a:buNone/>
+              <a:tabLst/>
+              <a:defRPr/>
+            </a:pPr>
+            <a:endParaRPr kumimoji="0" lang="en-US" sz="1800" b="0" i="0" u="none" strike="noStrike" kern="1200" cap="none" spc="0" normalizeH="0" baseline="0" noProof="0">
+              <a:ln>
+                <a:noFill/>
+              </a:ln>
+              <a:solidFill>
+                <a:prstClr val="white"/>
+              </a:solidFill>
+              <a:effectLst/>
+              <a:uLnTx/>
+              <a:uFillTx/>
+              <a:latin typeface="Aptos" panose="02110004020202020204"/>
+              <a:ea typeface="+mn-ea"/>
+              <a:cs typeface="+mn-cs"/>
+            </a:endParaRPr>
           </a:p>
         </p:txBody>
       </p:sp>
@@ -4981,8 +5707,37 @@
           <a:bodyPr rtlCol="0" anchor="ctr"/>
           <a:lstStyle/>
           <a:p>
-            <a:pPr algn="ctr"/>
-            <a:endParaRPr lang="en-US"/>
+            <a:pPr marL="0" marR="0" lvl="0" indent="0" algn="ctr" defTabSz="914400" rtl="0" eaLnBrk="1" fontAlgn="auto" latinLnBrk="0" hangingPunct="1">
+              <a:lnSpc>
+                <a:spcPct val="100000"/>
+              </a:lnSpc>
+              <a:spcBef>
+                <a:spcPts val="0"/>
+              </a:spcBef>
+              <a:spcAft>
+                <a:spcPts val="0"/>
+              </a:spcAft>
+              <a:buClrTx/>
+              <a:buSzTx/>
+              <a:buFontTx/>
+              <a:buNone/>
+              <a:tabLst/>
+              <a:defRPr/>
+            </a:pPr>
+            <a:endParaRPr kumimoji="0" lang="en-US" sz="1800" b="0" i="0" u="none" strike="noStrike" kern="1200" cap="none" spc="0" normalizeH="0" baseline="0" noProof="0">
+              <a:ln>
+                <a:noFill/>
+              </a:ln>
+              <a:solidFill>
+                <a:prstClr val="white"/>
+              </a:solidFill>
+              <a:effectLst/>
+              <a:uLnTx/>
+              <a:uFillTx/>
+              <a:latin typeface="Aptos" panose="02110004020202020204"/>
+              <a:ea typeface="+mn-ea"/>
+              <a:cs typeface="+mn-cs"/>
+            </a:endParaRPr>
           </a:p>
         </p:txBody>
       </p:sp>
@@ -5057,8 +5812,37 @@
           <a:bodyPr rtlCol="0" anchor="ctr"/>
           <a:lstStyle/>
           <a:p>
-            <a:pPr algn="ctr"/>
-            <a:endParaRPr lang="en-US"/>
+            <a:pPr marL="0" marR="0" lvl="0" indent="0" algn="ctr" defTabSz="914400" rtl="0" eaLnBrk="1" fontAlgn="auto" latinLnBrk="0" hangingPunct="1">
+              <a:lnSpc>
+                <a:spcPct val="100000"/>
+              </a:lnSpc>
+              <a:spcBef>
+                <a:spcPts val="0"/>
+              </a:spcBef>
+              <a:spcAft>
+                <a:spcPts val="0"/>
+              </a:spcAft>
+              <a:buClrTx/>
+              <a:buSzTx/>
+              <a:buFontTx/>
+              <a:buNone/>
+              <a:tabLst/>
+              <a:defRPr/>
+            </a:pPr>
+            <a:endParaRPr kumimoji="0" lang="en-US" sz="1800" b="0" i="0" u="none" strike="noStrike" kern="1200" cap="none" spc="0" normalizeH="0" baseline="0" noProof="0">
+              <a:ln>
+                <a:noFill/>
+              </a:ln>
+              <a:solidFill>
+                <a:prstClr val="white"/>
+              </a:solidFill>
+              <a:effectLst/>
+              <a:uLnTx/>
+              <a:uFillTx/>
+              <a:latin typeface="Aptos" panose="02110004020202020204"/>
+              <a:ea typeface="+mn-ea"/>
+              <a:cs typeface="+mn-cs"/>
+            </a:endParaRPr>
           </a:p>
         </p:txBody>
       </p:sp>
@@ -5096,166 +5880,102 @@
                   <a:srgbClr val="FFFFFF"/>
                 </a:solidFill>
               </a:rPr>
-              <a:t>Carbamazepine - PAM</a:t>
+              <a:t>Normality Tests</a:t>
             </a:r>
           </a:p>
         </p:txBody>
       </p:sp>
       <p:pic>
         <p:nvPicPr>
-          <p:cNvPr id="5" name="Content Placeholder 4" descr="A graph of a graph&#10;&#10;Description automatically generated with medium confidence">
-            <a:extLst>
-              <a:ext uri="{FF2B5EF4-FFF2-40B4-BE49-F238E27FC236}">
-                <a16:creationId xmlns:a16="http://schemas.microsoft.com/office/drawing/2014/main" id="{3EF421D4-FCEA-DFD0-1E4E-58C755266CF8}"/>
+          <p:cNvPr id="9" name="Picture 8">
+            <a:extLst>
+              <a:ext uri="{FF2B5EF4-FFF2-40B4-BE49-F238E27FC236}">
+                <a16:creationId xmlns:a16="http://schemas.microsoft.com/office/drawing/2014/main" id="{99543275-A658-BEBD-2CE3-94DC6799C5AC}"/>
               </a:ext>
             </a:extLst>
           </p:cNvPr>
           <p:cNvPicPr>
-            <a:picLocks noGrp="1" noChangeAspect="1"/>
+            <a:picLocks noChangeAspect="1"/>
           </p:cNvPicPr>
-          <p:nvPr>
-            <p:ph idx="1"/>
-          </p:nvPr>
+          <p:nvPr/>
         </p:nvPicPr>
         <p:blipFill>
-          <a:blip r:embed="rId2">
-            <a:extLst>
-              <a:ext uri="{28A0092B-C50C-407E-A947-70E740481C1C}">
-                <a14:useLocalDpi xmlns:a14="http://schemas.microsoft.com/office/drawing/2010/main" val="0"/>
-              </a:ext>
-            </a:extLst>
-          </a:blip>
-          <a:stretch>
-            <a:fillRect/>
-          </a:stretch>
+          <a:blip r:embed="rId3"/>
+          <a:srcRect b="48942"/>
+          <a:stretch/>
         </p:blipFill>
         <p:spPr>
           <a:xfrm>
-            <a:off x="-8" y="1586706"/>
-            <a:ext cx="8283461" cy="5271294"/>
-          </a:xfrm>
-        </p:spPr>
-      </p:pic>
-      <p:sp>
-        <p:nvSpPr>
-          <p:cNvPr id="6" name="TextBox 5">
-            <a:extLst>
-              <a:ext uri="{FF2B5EF4-FFF2-40B4-BE49-F238E27FC236}">
-                <a16:creationId xmlns:a16="http://schemas.microsoft.com/office/drawing/2014/main" id="{BEE0D777-C63F-4E2E-0884-B2BBE7501233}"/>
-              </a:ext>
-            </a:extLst>
-          </p:cNvPr>
-          <p:cNvSpPr txBox="1"/>
-          <p:nvPr/>
-        </p:nvSpPr>
-        <p:spPr>
-          <a:xfrm>
-            <a:off x="8830686" y="2242557"/>
-            <a:ext cx="2645923" cy="3416320"/>
+            <a:off x="698365" y="1970040"/>
+            <a:ext cx="5498154" cy="4062507"/>
           </a:xfrm>
           <a:prstGeom prst="rect">
             <a:avLst/>
           </a:prstGeom>
-          <a:noFill/>
         </p:spPr>
-        <p:txBody>
-          <a:bodyPr wrap="square" rtlCol="0">
-            <a:spAutoFit/>
-          </a:bodyPr>
-          <a:lstStyle/>
-          <a:p>
-            <a:r>
-              <a:rPr lang="en-US"/>
-              <a:t>ANOVA: p = &lt;2e-16</a:t>
-            </a:r>
-          </a:p>
-          <a:p>
-            <a:pPr marL="285750" indent="-285750">
-              <a:buFont typeface="Arial" panose="020B0604020202020204" pitchFamily="34" charset="0"/>
-              <a:buChar char="•"/>
-            </a:pPr>
-            <a:r>
-              <a:rPr lang="en-US"/>
-              <a:t>10% max &gt; Time Zero</a:t>
-            </a:r>
-          </a:p>
-          <a:p>
-            <a:pPr marL="285750" indent="-285750">
-              <a:buFont typeface="Arial" panose="020B0604020202020204" pitchFamily="34" charset="0"/>
-              <a:buChar char="•"/>
-            </a:pPr>
-            <a:r>
-              <a:rPr lang="en-US"/>
-              <a:t>100% max &gt; Time Zero</a:t>
-            </a:r>
-          </a:p>
-          <a:p>
-            <a:pPr marL="285750" indent="-285750">
-              <a:buFont typeface="Arial" panose="020B0604020202020204" pitchFamily="34" charset="0"/>
-              <a:buChar char="•"/>
-            </a:pPr>
-            <a:r>
-              <a:rPr lang="en-US"/>
-              <a:t>125% max &gt; Time Zero</a:t>
-            </a:r>
-          </a:p>
-          <a:p>
-            <a:pPr marL="285750" indent="-285750">
-              <a:buFont typeface="Arial" panose="020B0604020202020204" pitchFamily="34" charset="0"/>
-              <a:buChar char="•"/>
-            </a:pPr>
-            <a:r>
-              <a:rPr lang="en-US"/>
-              <a:t>25% max &gt; Time Zero</a:t>
-            </a:r>
-          </a:p>
-          <a:p>
-            <a:pPr marL="285750" indent="-285750">
-              <a:buFont typeface="Arial" panose="020B0604020202020204" pitchFamily="34" charset="0"/>
-              <a:buChar char="•"/>
-            </a:pPr>
-            <a:r>
-              <a:rPr lang="en-US"/>
-              <a:t>50% max &gt; Time Zero</a:t>
-            </a:r>
-          </a:p>
-          <a:p>
-            <a:pPr marL="285750" indent="-285750">
-              <a:buFont typeface="Arial" panose="020B0604020202020204" pitchFamily="34" charset="0"/>
-              <a:buChar char="•"/>
-            </a:pPr>
-            <a:r>
-              <a:rPr lang="en-US"/>
-              <a:t>75% max &gt; Time Zero</a:t>
-            </a:r>
-          </a:p>
-          <a:p>
-            <a:pPr marL="285750" indent="-285750">
-              <a:buFont typeface="Arial" panose="020B0604020202020204" pitchFamily="34" charset="0"/>
-              <a:buChar char="•"/>
-            </a:pPr>
-            <a:r>
-              <a:rPr lang="en-US"/>
-              <a:t>Acetone Control &gt; Time Zero</a:t>
-            </a:r>
-          </a:p>
-          <a:p>
-            <a:pPr marL="285750" indent="-285750">
-              <a:buFont typeface="Arial" panose="020B0604020202020204" pitchFamily="34" charset="0"/>
-              <a:buChar char="•"/>
-            </a:pPr>
-            <a:r>
-              <a:rPr lang="en-US"/>
-              <a:t>Control &gt; Time Zero</a:t>
-            </a:r>
-            <a:endParaRPr lang="en-US" dirty="0"/>
-          </a:p>
-        </p:txBody>
-      </p:sp>
+      </p:pic>
+      <p:pic>
+        <p:nvPicPr>
+          <p:cNvPr id="11" name="Picture 10">
+            <a:extLst>
+              <a:ext uri="{FF2B5EF4-FFF2-40B4-BE49-F238E27FC236}">
+                <a16:creationId xmlns:a16="http://schemas.microsoft.com/office/drawing/2014/main" id="{AC1EEDDE-DFB3-EEE1-7C1C-12364CFA8365}"/>
+              </a:ext>
+            </a:extLst>
+          </p:cNvPr>
+          <p:cNvPicPr>
+            <a:picLocks noChangeAspect="1"/>
+          </p:cNvPicPr>
+          <p:nvPr/>
+        </p:nvPicPr>
+        <p:blipFill>
+          <a:blip r:embed="rId3"/>
+          <a:srcRect t="51055"/>
+          <a:stretch/>
+        </p:blipFill>
+        <p:spPr>
+          <a:xfrm>
+            <a:off x="6196519" y="2157136"/>
+            <a:ext cx="5471395" cy="3875411"/>
+          </a:xfrm>
+          <a:prstGeom prst="rect">
+            <a:avLst/>
+          </a:prstGeom>
+        </p:spPr>
+      </p:pic>
+      <p:pic>
+        <p:nvPicPr>
+          <p:cNvPr id="13" name="Picture 12">
+            <a:extLst>
+              <a:ext uri="{FF2B5EF4-FFF2-40B4-BE49-F238E27FC236}">
+                <a16:creationId xmlns:a16="http://schemas.microsoft.com/office/drawing/2014/main" id="{D486C4DA-6169-9DFA-3DC9-CBBC5A63FE80}"/>
+              </a:ext>
+            </a:extLst>
+          </p:cNvPr>
+          <p:cNvPicPr>
+            <a:picLocks noChangeAspect="1"/>
+          </p:cNvPicPr>
+          <p:nvPr/>
+        </p:nvPicPr>
+        <p:blipFill>
+          <a:blip r:embed="rId3"/>
+          <a:srcRect b="97598"/>
+          <a:stretch/>
+        </p:blipFill>
+        <p:spPr>
+          <a:xfrm>
+            <a:off x="6169760" y="1970040"/>
+            <a:ext cx="5498154" cy="191155"/>
+          </a:xfrm>
+          <a:prstGeom prst="rect">
+            <a:avLst/>
+          </a:prstGeom>
+        </p:spPr>
+      </p:pic>
     </p:spTree>
     <p:extLst>
       <p:ext uri="{BB962C8B-B14F-4D97-AF65-F5344CB8AC3E}">
-        <p14:creationId xmlns:p14="http://schemas.microsoft.com/office/powerpoint/2010/main" val="1790195869"/>
+        <p14:creationId xmlns:p14="http://schemas.microsoft.com/office/powerpoint/2010/main" val="567054300"/>
       </p:ext>
     </p:extLst>
   </p:cSld>
@@ -5265,7 +5985,7 @@
 </p:sld>
 </file>
 
-<file path=ppt/slides/slide4.xml><?xml version="1.0" encoding="utf-8"?>
+<file path=ppt/slides/slide3.xml><?xml version="1.0" encoding="utf-8"?>
 <p:sld xmlns:a="http://schemas.openxmlformats.org/drawingml/2006/main" xmlns:r="http://schemas.openxmlformats.org/officeDocument/2006/relationships" xmlns:p="http://schemas.openxmlformats.org/presentationml/2006/main">
   <p:cSld>
     <p:bg>
@@ -5695,22 +6415,27 @@
           <a:lstStyle/>
           <a:p>
             <a:r>
-              <a:rPr lang="en-US" sz="4000" dirty="0">
+              <a:rPr lang="en-US" sz="4000">
                 <a:solidFill>
                   <a:srgbClr val="FFFFFF"/>
                 </a:solidFill>
               </a:rPr>
-              <a:t>Diclofenac - Biomass</a:t>
-            </a:r>
+              <a:t>Carbamazepine - Biomass</a:t>
+            </a:r>
+            <a:endParaRPr lang="en-US" sz="4000" dirty="0">
+              <a:solidFill>
+                <a:srgbClr val="FFFFFF"/>
+              </a:solidFill>
+            </a:endParaRPr>
           </a:p>
         </p:txBody>
       </p:sp>
       <p:pic>
         <p:nvPicPr>
-          <p:cNvPr id="5" name="Content Placeholder 4" descr="A graph of a number of different sizes&#10;&#10;Description automatically generated with medium confidence">
-            <a:extLst>
-              <a:ext uri="{FF2B5EF4-FFF2-40B4-BE49-F238E27FC236}">
-                <a16:creationId xmlns:a16="http://schemas.microsoft.com/office/drawing/2014/main" id="{316FBB4D-FE7F-0FA0-7BE0-D0B32391376C}"/>
+          <p:cNvPr id="5" name="Content Placeholder 4" descr="A graph of a graph&#10;&#10;Description automatically generated with medium confidence">
+            <a:extLst>
+              <a:ext uri="{FF2B5EF4-FFF2-40B4-BE49-F238E27FC236}">
+                <a16:creationId xmlns:a16="http://schemas.microsoft.com/office/drawing/2014/main" id="{CFCA149D-F272-68D1-10D3-CA1ADA9FBEE8}"/>
               </a:ext>
             </a:extLst>
           </p:cNvPr>
@@ -5735,8 +6460,8 @@
         </p:blipFill>
         <p:spPr>
           <a:xfrm>
-            <a:off x="-1" y="1586706"/>
-            <a:ext cx="8283461" cy="5271294"/>
+            <a:off x="-4" y="1590741"/>
+            <a:ext cx="8277120" cy="5267259"/>
           </a:xfrm>
         </p:spPr>
       </p:pic>
@@ -5745,7 +6470,7 @@
           <p:cNvPr id="6" name="TextBox 5">
             <a:extLst>
               <a:ext uri="{FF2B5EF4-FFF2-40B4-BE49-F238E27FC236}">
-                <a16:creationId xmlns:a16="http://schemas.microsoft.com/office/drawing/2014/main" id="{E7F4FB41-A72F-0415-D13F-5A51ABAE0E24}"/>
+                <a16:creationId xmlns:a16="http://schemas.microsoft.com/office/drawing/2014/main" id="{6A2E4FD5-9154-7C20-74E3-661F98A126A7}"/>
               </a:ext>
             </a:extLst>
           </p:cNvPr>
@@ -5754,8 +6479,8 @@
         </p:nvSpPr>
         <p:spPr>
           <a:xfrm>
-            <a:off x="8830686" y="3766051"/>
-            <a:ext cx="2645923" cy="923330"/>
+            <a:off x="8830686" y="2242557"/>
+            <a:ext cx="2645923" cy="3416320"/>
           </a:xfrm>
           <a:prstGeom prst="rect">
             <a:avLst/>
@@ -5770,7 +6495,7 @@
           <a:p>
             <a:r>
               <a:rPr lang="en-US" dirty="0"/>
-              <a:t>ANOVA: p = 0.121</a:t>
+              <a:t>ANOVA: p = 0.000102</a:t>
             </a:r>
           </a:p>
           <a:p>
@@ -5783,12 +6508,102 @@
               <a:t>Acetone Control &gt; Time Zero</a:t>
             </a:r>
           </a:p>
+          <a:p>
+            <a:pPr marL="285750" indent="-285750">
+              <a:buFont typeface="Arial" panose="020B0604020202020204" pitchFamily="34" charset="0"/>
+              <a:buChar char="•"/>
+            </a:pPr>
+            <a:r>
+              <a:rPr lang="en-US" dirty="0"/>
+              <a:t>50% Max &gt; Control</a:t>
+            </a:r>
+          </a:p>
+          <a:p>
+            <a:pPr marL="285750" indent="-285750">
+              <a:buFont typeface="Arial" panose="020B0604020202020204" pitchFamily="34" charset="0"/>
+              <a:buChar char="•"/>
+            </a:pPr>
+            <a:r>
+              <a:rPr lang="en-US" dirty="0"/>
+              <a:t>25% Max &gt; Control</a:t>
+            </a:r>
+          </a:p>
+          <a:p>
+            <a:pPr marL="285750" indent="-285750">
+              <a:buFont typeface="Arial" panose="020B0604020202020204" pitchFamily="34" charset="0"/>
+              <a:buChar char="•"/>
+            </a:pPr>
+            <a:r>
+              <a:rPr lang="en-US" dirty="0"/>
+              <a:t>Control &gt; Time Zero</a:t>
+            </a:r>
+          </a:p>
+          <a:p>
+            <a:pPr marL="285750" indent="-285750">
+              <a:buFont typeface="Arial" panose="020B0604020202020204" pitchFamily="34" charset="0"/>
+              <a:buChar char="•"/>
+            </a:pPr>
+            <a:r>
+              <a:rPr lang="en-US" dirty="0"/>
+              <a:t>50% Max &gt; T0</a:t>
+            </a:r>
+          </a:p>
+          <a:p>
+            <a:pPr marL="285750" indent="-285750">
+              <a:buFont typeface="Arial" panose="020B0604020202020204" pitchFamily="34" charset="0"/>
+              <a:buChar char="•"/>
+            </a:pPr>
+            <a:r>
+              <a:rPr lang="en-US" dirty="0"/>
+              <a:t>100% Max &gt; T0</a:t>
+            </a:r>
+          </a:p>
+          <a:p>
+            <a:pPr marL="285750" indent="-285750">
+              <a:buFont typeface="Arial" panose="020B0604020202020204" pitchFamily="34" charset="0"/>
+              <a:buChar char="•"/>
+            </a:pPr>
+            <a:r>
+              <a:rPr lang="en-US" dirty="0"/>
+              <a:t>125% Max &gt; T0</a:t>
+            </a:r>
+          </a:p>
+          <a:p>
+            <a:pPr marL="285750" indent="-285750">
+              <a:buFont typeface="Arial" panose="020B0604020202020204" pitchFamily="34" charset="0"/>
+              <a:buChar char="•"/>
+            </a:pPr>
+            <a:r>
+              <a:rPr lang="en-US" dirty="0"/>
+              <a:t>75% Max &gt; T0</a:t>
+            </a:r>
+          </a:p>
+          <a:p>
+            <a:pPr marL="285750" indent="-285750">
+              <a:buFont typeface="Arial" panose="020B0604020202020204" pitchFamily="34" charset="0"/>
+              <a:buChar char="•"/>
+            </a:pPr>
+            <a:r>
+              <a:rPr lang="en-US" dirty="0"/>
+              <a:t>10% Max &gt; T0</a:t>
+            </a:r>
+          </a:p>
+          <a:p>
+            <a:pPr marL="285750" indent="-285750">
+              <a:buFont typeface="Arial" panose="020B0604020202020204" pitchFamily="34" charset="0"/>
+              <a:buChar char="•"/>
+            </a:pPr>
+            <a:r>
+              <a:rPr lang="en-US" dirty="0"/>
+              <a:t>25% Max &gt; T0</a:t>
+            </a:r>
+          </a:p>
         </p:txBody>
       </p:sp>
     </p:spTree>
     <p:extLst>
       <p:ext uri="{BB962C8B-B14F-4D97-AF65-F5344CB8AC3E}">
-        <p14:creationId xmlns:p14="http://schemas.microsoft.com/office/powerpoint/2010/main" val="599346640"/>
+        <p14:creationId xmlns:p14="http://schemas.microsoft.com/office/powerpoint/2010/main" val="1998926694"/>
       </p:ext>
     </p:extLst>
   </p:cSld>
@@ -5798,7 +6613,7 @@
 </p:sld>
 </file>
 
-<file path=ppt/slides/slide5.xml><?xml version="1.0" encoding="utf-8"?>
+<file path=ppt/slides/slide4.xml><?xml version="1.0" encoding="utf-8"?>
 <p:sld xmlns:a="http://schemas.openxmlformats.org/drawingml/2006/main" xmlns:r="http://schemas.openxmlformats.org/officeDocument/2006/relationships" xmlns:p="http://schemas.openxmlformats.org/presentationml/2006/main">
   <p:cSld>
     <p:bg>
@@ -5894,37 +6709,8 @@
           <a:bodyPr rtlCol="0" anchor="ctr"/>
           <a:lstStyle/>
           <a:p>
-            <a:pPr marL="0" marR="0" lvl="0" indent="0" algn="ctr" defTabSz="914400" rtl="0" eaLnBrk="1" fontAlgn="auto" latinLnBrk="0" hangingPunct="1">
-              <a:lnSpc>
-                <a:spcPct val="100000"/>
-              </a:lnSpc>
-              <a:spcBef>
-                <a:spcPts val="0"/>
-              </a:spcBef>
-              <a:spcAft>
-                <a:spcPts val="0"/>
-              </a:spcAft>
-              <a:buClrTx/>
-              <a:buSzTx/>
-              <a:buFontTx/>
-              <a:buNone/>
-              <a:tabLst/>
-              <a:defRPr/>
-            </a:pPr>
-            <a:endParaRPr kumimoji="0" lang="en-US" sz="1800" b="0" i="0" u="none" strike="noStrike" kern="1200" cap="none" spc="0" normalizeH="0" baseline="0" noProof="0">
-              <a:ln>
-                <a:noFill/>
-              </a:ln>
-              <a:solidFill>
-                <a:prstClr val="white"/>
-              </a:solidFill>
-              <a:effectLst/>
-              <a:uLnTx/>
-              <a:uFillTx/>
-              <a:latin typeface="Aptos" panose="02110004020202020204"/>
-              <a:ea typeface="+mn-ea"/>
-              <a:cs typeface="+mn-cs"/>
-            </a:endParaRPr>
+            <a:pPr algn="ctr"/>
+            <a:endParaRPr lang="en-US"/>
           </a:p>
         </p:txBody>
       </p:sp>
@@ -5996,37 +6782,8 @@
           <a:bodyPr rtlCol="0" anchor="ctr"/>
           <a:lstStyle/>
           <a:p>
-            <a:pPr marL="0" marR="0" lvl="0" indent="0" algn="ctr" defTabSz="914400" rtl="0" eaLnBrk="1" fontAlgn="auto" latinLnBrk="0" hangingPunct="1">
-              <a:lnSpc>
-                <a:spcPct val="100000"/>
-              </a:lnSpc>
-              <a:spcBef>
-                <a:spcPts val="0"/>
-              </a:spcBef>
-              <a:spcAft>
-                <a:spcPts val="0"/>
-              </a:spcAft>
-              <a:buClrTx/>
-              <a:buSzTx/>
-              <a:buFontTx/>
-              <a:buNone/>
-              <a:tabLst/>
-              <a:defRPr/>
-            </a:pPr>
-            <a:endParaRPr kumimoji="0" lang="en-US" sz="1800" b="0" i="0" u="none" strike="noStrike" kern="1200" cap="none" spc="0" normalizeH="0" baseline="0" noProof="0">
-              <a:ln>
-                <a:noFill/>
-              </a:ln>
-              <a:solidFill>
-                <a:prstClr val="white"/>
-              </a:solidFill>
-              <a:effectLst/>
-              <a:uLnTx/>
-              <a:uFillTx/>
-              <a:latin typeface="Aptos" panose="02110004020202020204"/>
-              <a:ea typeface="+mn-ea"/>
-              <a:cs typeface="+mn-cs"/>
-            </a:endParaRPr>
+            <a:pPr algn="ctr"/>
+            <a:endParaRPr lang="en-US"/>
           </a:p>
         </p:txBody>
       </p:sp>
@@ -6101,37 +6858,8 @@
           <a:bodyPr rtlCol="0" anchor="ctr"/>
           <a:lstStyle/>
           <a:p>
-            <a:pPr marL="0" marR="0" lvl="0" indent="0" algn="ctr" defTabSz="914400" rtl="0" eaLnBrk="1" fontAlgn="auto" latinLnBrk="0" hangingPunct="1">
-              <a:lnSpc>
-                <a:spcPct val="100000"/>
-              </a:lnSpc>
-              <a:spcBef>
-                <a:spcPts val="0"/>
-              </a:spcBef>
-              <a:spcAft>
-                <a:spcPts val="0"/>
-              </a:spcAft>
-              <a:buClrTx/>
-              <a:buSzTx/>
-              <a:buFontTx/>
-              <a:buNone/>
-              <a:tabLst/>
-              <a:defRPr/>
-            </a:pPr>
-            <a:endParaRPr kumimoji="0" lang="en-US" sz="1800" b="0" i="0" u="none" strike="noStrike" kern="1200" cap="none" spc="0" normalizeH="0" baseline="0" noProof="0">
-              <a:ln>
-                <a:noFill/>
-              </a:ln>
-              <a:solidFill>
-                <a:prstClr val="white"/>
-              </a:solidFill>
-              <a:effectLst/>
-              <a:uLnTx/>
-              <a:uFillTx/>
-              <a:latin typeface="Aptos" panose="02110004020202020204"/>
-              <a:ea typeface="+mn-ea"/>
-              <a:cs typeface="+mn-cs"/>
-            </a:endParaRPr>
+            <a:pPr algn="ctr"/>
+            <a:endParaRPr lang="en-US"/>
           </a:p>
         </p:txBody>
       </p:sp>
@@ -6205,37 +6933,8 @@
           <a:bodyPr rtlCol="0" anchor="ctr"/>
           <a:lstStyle/>
           <a:p>
-            <a:pPr marL="0" marR="0" lvl="0" indent="0" algn="ctr" defTabSz="914400" rtl="0" eaLnBrk="1" fontAlgn="auto" latinLnBrk="0" hangingPunct="1">
-              <a:lnSpc>
-                <a:spcPct val="100000"/>
-              </a:lnSpc>
-              <a:spcBef>
-                <a:spcPts val="0"/>
-              </a:spcBef>
-              <a:spcAft>
-                <a:spcPts val="0"/>
-              </a:spcAft>
-              <a:buClrTx/>
-              <a:buSzTx/>
-              <a:buFontTx/>
-              <a:buNone/>
-              <a:tabLst/>
-              <a:defRPr/>
-            </a:pPr>
-            <a:endParaRPr kumimoji="0" lang="en-US" sz="1800" b="0" i="0" u="none" strike="noStrike" kern="1200" cap="none" spc="0" normalizeH="0" baseline="0" noProof="0">
-              <a:ln>
-                <a:noFill/>
-              </a:ln>
-              <a:solidFill>
-                <a:prstClr val="white"/>
-              </a:solidFill>
-              <a:effectLst/>
-              <a:uLnTx/>
-              <a:uFillTx/>
-              <a:latin typeface="Aptos" panose="02110004020202020204"/>
-              <a:ea typeface="+mn-ea"/>
-              <a:cs typeface="+mn-cs"/>
-            </a:endParaRPr>
+            <a:pPr algn="ctr"/>
+            <a:endParaRPr lang="en-US"/>
           </a:p>
         </p:txBody>
       </p:sp>
@@ -6310,37 +7009,8 @@
           <a:bodyPr rtlCol="0" anchor="ctr"/>
           <a:lstStyle/>
           <a:p>
-            <a:pPr marL="0" marR="0" lvl="0" indent="0" algn="ctr" defTabSz="914400" rtl="0" eaLnBrk="1" fontAlgn="auto" latinLnBrk="0" hangingPunct="1">
-              <a:lnSpc>
-                <a:spcPct val="100000"/>
-              </a:lnSpc>
-              <a:spcBef>
-                <a:spcPts val="0"/>
-              </a:spcBef>
-              <a:spcAft>
-                <a:spcPts val="0"/>
-              </a:spcAft>
-              <a:buClrTx/>
-              <a:buSzTx/>
-              <a:buFontTx/>
-              <a:buNone/>
-              <a:tabLst/>
-              <a:defRPr/>
-            </a:pPr>
-            <a:endParaRPr kumimoji="0" lang="en-US" sz="1800" b="0" i="0" u="none" strike="noStrike" kern="1200" cap="none" spc="0" normalizeH="0" baseline="0" noProof="0">
-              <a:ln>
-                <a:noFill/>
-              </a:ln>
-              <a:solidFill>
-                <a:prstClr val="white"/>
-              </a:solidFill>
-              <a:effectLst/>
-              <a:uLnTx/>
-              <a:uFillTx/>
-              <a:latin typeface="Aptos" panose="02110004020202020204"/>
-              <a:ea typeface="+mn-ea"/>
-              <a:cs typeface="+mn-cs"/>
-            </a:endParaRPr>
+            <a:pPr algn="ctr"/>
+            <a:endParaRPr lang="en-US"/>
           </a:p>
         </p:txBody>
       </p:sp>
@@ -6378,17 +7048,17 @@
                   <a:srgbClr val="FFFFFF"/>
                 </a:solidFill>
               </a:rPr>
-              <a:t>Diclofenac - PAM</a:t>
+              <a:t>Carbamazepine - PAM</a:t>
             </a:r>
           </a:p>
         </p:txBody>
       </p:sp>
       <p:pic>
         <p:nvPicPr>
-          <p:cNvPr id="6" name="Content Placeholder 5" descr="A graph of a graph&#10;&#10;Description automatically generated with medium confidence">
-            <a:extLst>
-              <a:ext uri="{FF2B5EF4-FFF2-40B4-BE49-F238E27FC236}">
-                <a16:creationId xmlns:a16="http://schemas.microsoft.com/office/drawing/2014/main" id="{3AA95F09-46A3-3A3D-0A59-BF9F344D168C}"/>
+          <p:cNvPr id="5" name="Content Placeholder 4" descr="A graph of a graph&#10;&#10;Description automatically generated with medium confidence">
+            <a:extLst>
+              <a:ext uri="{FF2B5EF4-FFF2-40B4-BE49-F238E27FC236}">
+                <a16:creationId xmlns:a16="http://schemas.microsoft.com/office/drawing/2014/main" id="{3EF421D4-FCEA-DFD0-1E4E-58C755266CF8}"/>
               </a:ext>
             </a:extLst>
           </p:cNvPr>
@@ -6413,17 +7083,17 @@
         </p:blipFill>
         <p:spPr>
           <a:xfrm>
-            <a:off x="-1" y="1586706"/>
+            <a:off x="-8" y="1586706"/>
             <a:ext cx="8283461" cy="5271294"/>
           </a:xfrm>
         </p:spPr>
       </p:pic>
       <p:sp>
         <p:nvSpPr>
-          <p:cNvPr id="7" name="TextBox 6">
-            <a:extLst>
-              <a:ext uri="{FF2B5EF4-FFF2-40B4-BE49-F238E27FC236}">
-                <a16:creationId xmlns:a16="http://schemas.microsoft.com/office/drawing/2014/main" id="{E124492E-23B2-6B11-AF2F-2551A244E39A}"/>
+          <p:cNvPr id="6" name="TextBox 5">
+            <a:extLst>
+              <a:ext uri="{FF2B5EF4-FFF2-40B4-BE49-F238E27FC236}">
+                <a16:creationId xmlns:a16="http://schemas.microsoft.com/office/drawing/2014/main" id="{BEE0D777-C63F-4E2E-0884-B2BBE7501233}"/>
               </a:ext>
             </a:extLst>
           </p:cNvPr>
@@ -6432,8 +7102,8 @@
         </p:nvSpPr>
         <p:spPr>
           <a:xfrm>
-            <a:off x="8830686" y="1586706"/>
-            <a:ext cx="2645923" cy="5355312"/>
+            <a:off x="8830686" y="2242557"/>
+            <a:ext cx="2645923" cy="3416320"/>
           </a:xfrm>
           <a:prstGeom prst="rect">
             <a:avLst/>
@@ -6447,7 +7117,7 @@
           <a:lstStyle/>
           <a:p>
             <a:r>
-              <a:rPr lang="en-US" dirty="0"/>
+              <a:rPr lang="en-US"/>
               <a:t>ANOVA: p = &lt;2e-16</a:t>
             </a:r>
           </a:p>
@@ -6457,7 +7127,7 @@
               <a:buChar char="•"/>
             </a:pPr>
             <a:r>
-              <a:rPr lang="en-US" dirty="0"/>
+              <a:rPr lang="en-US"/>
               <a:t>10% max &gt; Time Zero</a:t>
             </a:r>
           </a:p>
@@ -6467,7 +7137,7 @@
               <a:buChar char="•"/>
             </a:pPr>
             <a:r>
-              <a:rPr lang="en-US" dirty="0"/>
+              <a:rPr lang="en-US"/>
               <a:t>100% max &gt; Time Zero</a:t>
             </a:r>
           </a:p>
@@ -6477,7 +7147,7 @@
               <a:buChar char="•"/>
             </a:pPr>
             <a:r>
-              <a:rPr lang="en-US" dirty="0"/>
+              <a:rPr lang="en-US"/>
               <a:t>125% max &gt; Time Zero</a:t>
             </a:r>
           </a:p>
@@ -6487,7 +7157,7 @@
               <a:buChar char="•"/>
             </a:pPr>
             <a:r>
-              <a:rPr lang="en-US" dirty="0"/>
+              <a:rPr lang="en-US"/>
               <a:t>25% max &gt; Time Zero</a:t>
             </a:r>
           </a:p>
@@ -6497,7 +7167,7 @@
               <a:buChar char="•"/>
             </a:pPr>
             <a:r>
-              <a:rPr lang="en-US" dirty="0"/>
+              <a:rPr lang="en-US"/>
               <a:t>50% max &gt; Time Zero</a:t>
             </a:r>
           </a:p>
@@ -6507,7 +7177,7 @@
               <a:buChar char="•"/>
             </a:pPr>
             <a:r>
-              <a:rPr lang="en-US" dirty="0"/>
+              <a:rPr lang="en-US"/>
               <a:t>75% max &gt; Time Zero</a:t>
             </a:r>
           </a:p>
@@ -6517,7 +7187,7 @@
               <a:buChar char="•"/>
             </a:pPr>
             <a:r>
-              <a:rPr lang="en-US" dirty="0"/>
+              <a:rPr lang="en-US"/>
               <a:t>Acetone Control &gt; Time Zero</a:t>
             </a:r>
           </a:p>
@@ -6527,46 +7197,17 @@
               <a:buChar char="•"/>
             </a:pPr>
             <a:r>
-              <a:rPr lang="en-US" dirty="0"/>
+              <a:rPr lang="en-US"/>
               <a:t>Control &gt; Time Zero</a:t>
             </a:r>
-          </a:p>
-          <a:p>
-            <a:pPr marL="285750" indent="-285750">
-              <a:buFont typeface="Arial" panose="020B0604020202020204" pitchFamily="34" charset="0"/>
-              <a:buChar char="•"/>
-            </a:pPr>
-            <a:r>
-              <a:rPr lang="en-US" dirty="0"/>
-              <a:t>100% max &gt; 10% max, acetone control, control</a:t>
-            </a:r>
-          </a:p>
-          <a:p>
-            <a:pPr marL="285750" indent="-285750">
-              <a:buFont typeface="Arial" panose="020B0604020202020204" pitchFamily="34" charset="0"/>
-              <a:buChar char="•"/>
-            </a:pPr>
-            <a:r>
-              <a:rPr lang="en-US" dirty="0"/>
-              <a:t>125% max &gt; control, acetone control</a:t>
-            </a:r>
-          </a:p>
-          <a:p>
-            <a:pPr marL="285750" indent="-285750">
-              <a:buFont typeface="Arial" panose="020B0604020202020204" pitchFamily="34" charset="0"/>
-              <a:buChar char="•"/>
-            </a:pPr>
-            <a:r>
-              <a:rPr lang="en-US" dirty="0"/>
-              <a:t>75% max &gt; control, acetone control</a:t>
-            </a:r>
+            <a:endParaRPr lang="en-US" dirty="0"/>
           </a:p>
         </p:txBody>
       </p:sp>
     </p:spTree>
     <p:extLst>
       <p:ext uri="{BB962C8B-B14F-4D97-AF65-F5344CB8AC3E}">
-        <p14:creationId xmlns:p14="http://schemas.microsoft.com/office/powerpoint/2010/main" val="881901301"/>
+        <p14:creationId xmlns:p14="http://schemas.microsoft.com/office/powerpoint/2010/main" val="1790195869"/>
       </p:ext>
     </p:extLst>
   </p:cSld>
@@ -6576,7 +7217,7 @@
 </p:sld>
 </file>
 
-<file path=ppt/slides/slide6.xml><?xml version="1.0" encoding="utf-8"?>
+<file path=ppt/slides/slide5.xml><?xml version="1.0" encoding="utf-8"?>
 <p:sld xmlns:a="http://schemas.openxmlformats.org/drawingml/2006/main" xmlns:r="http://schemas.openxmlformats.org/officeDocument/2006/relationships" xmlns:p="http://schemas.openxmlformats.org/presentationml/2006/main">
   <p:cSld>
     <p:bg>
@@ -6672,37 +7313,8 @@
           <a:bodyPr rtlCol="0" anchor="ctr"/>
           <a:lstStyle/>
           <a:p>
-            <a:pPr marL="0" marR="0" lvl="0" indent="0" algn="ctr" defTabSz="914400" rtl="0" eaLnBrk="1" fontAlgn="auto" latinLnBrk="0" hangingPunct="1">
-              <a:lnSpc>
-                <a:spcPct val="100000"/>
-              </a:lnSpc>
-              <a:spcBef>
-                <a:spcPts val="0"/>
-              </a:spcBef>
-              <a:spcAft>
-                <a:spcPts val="0"/>
-              </a:spcAft>
-              <a:buClrTx/>
-              <a:buSzTx/>
-              <a:buFontTx/>
-              <a:buNone/>
-              <a:tabLst/>
-              <a:defRPr/>
-            </a:pPr>
-            <a:endParaRPr kumimoji="0" lang="en-US" sz="1800" b="0" i="0" u="none" strike="noStrike" kern="1200" cap="none" spc="0" normalizeH="0" baseline="0" noProof="0">
-              <a:ln>
-                <a:noFill/>
-              </a:ln>
-              <a:solidFill>
-                <a:prstClr val="white"/>
-              </a:solidFill>
-              <a:effectLst/>
-              <a:uLnTx/>
-              <a:uFillTx/>
-              <a:latin typeface="Aptos" panose="02110004020202020204"/>
-              <a:ea typeface="+mn-ea"/>
-              <a:cs typeface="+mn-cs"/>
-            </a:endParaRPr>
+            <a:pPr algn="ctr"/>
+            <a:endParaRPr lang="en-US"/>
           </a:p>
         </p:txBody>
       </p:sp>
@@ -6774,37 +7386,8 @@
           <a:bodyPr rtlCol="0" anchor="ctr"/>
           <a:lstStyle/>
           <a:p>
-            <a:pPr marL="0" marR="0" lvl="0" indent="0" algn="ctr" defTabSz="914400" rtl="0" eaLnBrk="1" fontAlgn="auto" latinLnBrk="0" hangingPunct="1">
-              <a:lnSpc>
-                <a:spcPct val="100000"/>
-              </a:lnSpc>
-              <a:spcBef>
-                <a:spcPts val="0"/>
-              </a:spcBef>
-              <a:spcAft>
-                <a:spcPts val="0"/>
-              </a:spcAft>
-              <a:buClrTx/>
-              <a:buSzTx/>
-              <a:buFontTx/>
-              <a:buNone/>
-              <a:tabLst/>
-              <a:defRPr/>
-            </a:pPr>
-            <a:endParaRPr kumimoji="0" lang="en-US" sz="1800" b="0" i="0" u="none" strike="noStrike" kern="1200" cap="none" spc="0" normalizeH="0" baseline="0" noProof="0">
-              <a:ln>
-                <a:noFill/>
-              </a:ln>
-              <a:solidFill>
-                <a:prstClr val="white"/>
-              </a:solidFill>
-              <a:effectLst/>
-              <a:uLnTx/>
-              <a:uFillTx/>
-              <a:latin typeface="Aptos" panose="02110004020202020204"/>
-              <a:ea typeface="+mn-ea"/>
-              <a:cs typeface="+mn-cs"/>
-            </a:endParaRPr>
+            <a:pPr algn="ctr"/>
+            <a:endParaRPr lang="en-US"/>
           </a:p>
         </p:txBody>
       </p:sp>
@@ -6879,37 +7462,8 @@
           <a:bodyPr rtlCol="0" anchor="ctr"/>
           <a:lstStyle/>
           <a:p>
-            <a:pPr marL="0" marR="0" lvl="0" indent="0" algn="ctr" defTabSz="914400" rtl="0" eaLnBrk="1" fontAlgn="auto" latinLnBrk="0" hangingPunct="1">
-              <a:lnSpc>
-                <a:spcPct val="100000"/>
-              </a:lnSpc>
-              <a:spcBef>
-                <a:spcPts val="0"/>
-              </a:spcBef>
-              <a:spcAft>
-                <a:spcPts val="0"/>
-              </a:spcAft>
-              <a:buClrTx/>
-              <a:buSzTx/>
-              <a:buFontTx/>
-              <a:buNone/>
-              <a:tabLst/>
-              <a:defRPr/>
-            </a:pPr>
-            <a:endParaRPr kumimoji="0" lang="en-US" sz="1800" b="0" i="0" u="none" strike="noStrike" kern="1200" cap="none" spc="0" normalizeH="0" baseline="0" noProof="0">
-              <a:ln>
-                <a:noFill/>
-              </a:ln>
-              <a:solidFill>
-                <a:prstClr val="white"/>
-              </a:solidFill>
-              <a:effectLst/>
-              <a:uLnTx/>
-              <a:uFillTx/>
-              <a:latin typeface="Aptos" panose="02110004020202020204"/>
-              <a:ea typeface="+mn-ea"/>
-              <a:cs typeface="+mn-cs"/>
-            </a:endParaRPr>
+            <a:pPr algn="ctr"/>
+            <a:endParaRPr lang="en-US"/>
           </a:p>
         </p:txBody>
       </p:sp>
@@ -6983,37 +7537,8 @@
           <a:bodyPr rtlCol="0" anchor="ctr"/>
           <a:lstStyle/>
           <a:p>
-            <a:pPr marL="0" marR="0" lvl="0" indent="0" algn="ctr" defTabSz="914400" rtl="0" eaLnBrk="1" fontAlgn="auto" latinLnBrk="0" hangingPunct="1">
-              <a:lnSpc>
-                <a:spcPct val="100000"/>
-              </a:lnSpc>
-              <a:spcBef>
-                <a:spcPts val="0"/>
-              </a:spcBef>
-              <a:spcAft>
-                <a:spcPts val="0"/>
-              </a:spcAft>
-              <a:buClrTx/>
-              <a:buSzTx/>
-              <a:buFontTx/>
-              <a:buNone/>
-              <a:tabLst/>
-              <a:defRPr/>
-            </a:pPr>
-            <a:endParaRPr kumimoji="0" lang="en-US" sz="1800" b="0" i="0" u="none" strike="noStrike" kern="1200" cap="none" spc="0" normalizeH="0" baseline="0" noProof="0">
-              <a:ln>
-                <a:noFill/>
-              </a:ln>
-              <a:solidFill>
-                <a:prstClr val="white"/>
-              </a:solidFill>
-              <a:effectLst/>
-              <a:uLnTx/>
-              <a:uFillTx/>
-              <a:latin typeface="Aptos" panose="02110004020202020204"/>
-              <a:ea typeface="+mn-ea"/>
-              <a:cs typeface="+mn-cs"/>
-            </a:endParaRPr>
+            <a:pPr algn="ctr"/>
+            <a:endParaRPr lang="en-US"/>
           </a:p>
         </p:txBody>
       </p:sp>
@@ -7088,37 +7613,8 @@
           <a:bodyPr rtlCol="0" anchor="ctr"/>
           <a:lstStyle/>
           <a:p>
-            <a:pPr marL="0" marR="0" lvl="0" indent="0" algn="ctr" defTabSz="914400" rtl="0" eaLnBrk="1" fontAlgn="auto" latinLnBrk="0" hangingPunct="1">
-              <a:lnSpc>
-                <a:spcPct val="100000"/>
-              </a:lnSpc>
-              <a:spcBef>
-                <a:spcPts val="0"/>
-              </a:spcBef>
-              <a:spcAft>
-                <a:spcPts val="0"/>
-              </a:spcAft>
-              <a:buClrTx/>
-              <a:buSzTx/>
-              <a:buFontTx/>
-              <a:buNone/>
-              <a:tabLst/>
-              <a:defRPr/>
-            </a:pPr>
-            <a:endParaRPr kumimoji="0" lang="en-US" sz="1800" b="0" i="0" u="none" strike="noStrike" kern="1200" cap="none" spc="0" normalizeH="0" baseline="0" noProof="0">
-              <a:ln>
-                <a:noFill/>
-              </a:ln>
-              <a:solidFill>
-                <a:prstClr val="white"/>
-              </a:solidFill>
-              <a:effectLst/>
-              <a:uLnTx/>
-              <a:uFillTx/>
-              <a:latin typeface="Aptos" panose="02110004020202020204"/>
-              <a:ea typeface="+mn-ea"/>
-              <a:cs typeface="+mn-cs"/>
-            </a:endParaRPr>
+            <a:pPr algn="ctr"/>
+            <a:endParaRPr lang="en-US"/>
           </a:p>
         </p:txBody>
       </p:sp>
@@ -7156,17 +7652,17 @@
                   <a:srgbClr val="FFFFFF"/>
                 </a:solidFill>
               </a:rPr>
-              <a:t>PFOS - Biomass</a:t>
+              <a:t>Diclofenac - Biomass</a:t>
             </a:r>
           </a:p>
         </p:txBody>
       </p:sp>
       <p:pic>
         <p:nvPicPr>
-          <p:cNvPr id="5" name="Content Placeholder 4" descr="A graph of a graph&#10;&#10;Description automatically generated">
-            <a:extLst>
-              <a:ext uri="{FF2B5EF4-FFF2-40B4-BE49-F238E27FC236}">
-                <a16:creationId xmlns:a16="http://schemas.microsoft.com/office/drawing/2014/main" id="{6989BB80-7F69-5E30-B64A-787D80876420}"/>
+          <p:cNvPr id="5" name="Content Placeholder 4" descr="A graph of a number of different sizes&#10;&#10;Description automatically generated with medium confidence">
+            <a:extLst>
+              <a:ext uri="{FF2B5EF4-FFF2-40B4-BE49-F238E27FC236}">
+                <a16:creationId xmlns:a16="http://schemas.microsoft.com/office/drawing/2014/main" id="{316FBB4D-FE7F-0FA0-7BE0-D0B32391376C}"/>
               </a:ext>
             </a:extLst>
           </p:cNvPr>
@@ -7191,7 +7687,7 @@
         </p:blipFill>
         <p:spPr>
           <a:xfrm>
-            <a:off x="-8" y="1586706"/>
+            <a:off x="-1" y="1586706"/>
             <a:ext cx="8283461" cy="5271294"/>
           </a:xfrm>
         </p:spPr>
@@ -7201,7 +7697,7 @@
           <p:cNvPr id="6" name="TextBox 5">
             <a:extLst>
               <a:ext uri="{FF2B5EF4-FFF2-40B4-BE49-F238E27FC236}">
-                <a16:creationId xmlns:a16="http://schemas.microsoft.com/office/drawing/2014/main" id="{E6599C2E-D9B5-23FC-488C-F8259527FDEE}"/>
+                <a16:creationId xmlns:a16="http://schemas.microsoft.com/office/drawing/2014/main" id="{E7F4FB41-A72F-0415-D13F-5A51ABAE0E24}"/>
               </a:ext>
             </a:extLst>
           </p:cNvPr>
@@ -7210,8 +7706,8 @@
         </p:nvSpPr>
         <p:spPr>
           <a:xfrm>
-            <a:off x="8830686" y="3627551"/>
-            <a:ext cx="2645923" cy="1200329"/>
+            <a:off x="8830686" y="3766051"/>
+            <a:ext cx="2645923" cy="923330"/>
           </a:xfrm>
           <a:prstGeom prst="rect">
             <a:avLst/>
@@ -7226,7 +7722,7 @@
           <a:p>
             <a:r>
               <a:rPr lang="en-US" dirty="0"/>
-              <a:t>ANOVA: p = 0.00477</a:t>
+              <a:t>ANOVA: p = 0.121</a:t>
             </a:r>
           </a:p>
           <a:p>
@@ -7236,17 +7732,7 @@
             </a:pPr>
             <a:r>
               <a:rPr lang="en-US" dirty="0"/>
-              <a:t>Methanol Control &gt; Time Zero</a:t>
-            </a:r>
-          </a:p>
-          <a:p>
-            <a:pPr marL="285750" indent="-285750">
-              <a:buFont typeface="Arial" panose="020B0604020202020204" pitchFamily="34" charset="0"/>
-              <a:buChar char="•"/>
-            </a:pPr>
-            <a:r>
-              <a:rPr lang="en-US" dirty="0"/>
-              <a:t>Control &gt; Time Zero</a:t>
+              <a:t>Acetone Control &gt; Time Zero</a:t>
             </a:r>
           </a:p>
         </p:txBody>
@@ -7254,7 +7740,7 @@
     </p:spTree>
     <p:extLst>
       <p:ext uri="{BB962C8B-B14F-4D97-AF65-F5344CB8AC3E}">
-        <p14:creationId xmlns:p14="http://schemas.microsoft.com/office/powerpoint/2010/main" val="1606770238"/>
+        <p14:creationId xmlns:p14="http://schemas.microsoft.com/office/powerpoint/2010/main" val="599346640"/>
       </p:ext>
     </p:extLst>
   </p:cSld>
@@ -7264,7 +7750,7 @@
 </p:sld>
 </file>
 
-<file path=ppt/slides/slide7.xml><?xml version="1.0" encoding="utf-8"?>
+<file path=ppt/slides/slide6.xml><?xml version="1.0" encoding="utf-8"?>
 <p:sld xmlns:a="http://schemas.openxmlformats.org/drawingml/2006/main" xmlns:r="http://schemas.openxmlformats.org/officeDocument/2006/relationships" xmlns:p="http://schemas.openxmlformats.org/presentationml/2006/main">
   <p:cSld>
     <p:bg>
@@ -7844,17 +8330,17 @@
                   <a:srgbClr val="FFFFFF"/>
                 </a:solidFill>
               </a:rPr>
-              <a:t>PFOS - PAM</a:t>
+              <a:t>Diclofenac - PAM</a:t>
             </a:r>
           </a:p>
         </p:txBody>
       </p:sp>
       <p:pic>
         <p:nvPicPr>
-          <p:cNvPr id="5" name="Content Placeholder 4" descr="A graph of a diagram&#10;&#10;Description automatically generated with medium confidence">
-            <a:extLst>
-              <a:ext uri="{FF2B5EF4-FFF2-40B4-BE49-F238E27FC236}">
-                <a16:creationId xmlns:a16="http://schemas.microsoft.com/office/drawing/2014/main" id="{57B5B827-07E6-EAEE-871C-3020B37F608D}"/>
+          <p:cNvPr id="6" name="Content Placeholder 5" descr="A graph of a graph&#10;&#10;Description automatically generated with medium confidence">
+            <a:extLst>
+              <a:ext uri="{FF2B5EF4-FFF2-40B4-BE49-F238E27FC236}">
+                <a16:creationId xmlns:a16="http://schemas.microsoft.com/office/drawing/2014/main" id="{3AA95F09-46A3-3A3D-0A59-BF9F344D168C}"/>
               </a:ext>
             </a:extLst>
           </p:cNvPr>
@@ -7879,17 +8365,17 @@
         </p:blipFill>
         <p:spPr>
           <a:xfrm>
-            <a:off x="-3" y="1597432"/>
-            <a:ext cx="8266606" cy="5260568"/>
+            <a:off x="-1" y="1586706"/>
+            <a:ext cx="8283461" cy="5271294"/>
           </a:xfrm>
         </p:spPr>
       </p:pic>
       <p:sp>
         <p:nvSpPr>
-          <p:cNvPr id="9" name="TextBox 8">
-            <a:extLst>
-              <a:ext uri="{FF2B5EF4-FFF2-40B4-BE49-F238E27FC236}">
-                <a16:creationId xmlns:a16="http://schemas.microsoft.com/office/drawing/2014/main" id="{99031151-E444-FB74-E40B-E34B5DFD9A39}"/>
+          <p:cNvPr id="7" name="TextBox 6">
+            <a:extLst>
+              <a:ext uri="{FF2B5EF4-FFF2-40B4-BE49-F238E27FC236}">
+                <a16:creationId xmlns:a16="http://schemas.microsoft.com/office/drawing/2014/main" id="{E124492E-23B2-6B11-AF2F-2551A244E39A}"/>
               </a:ext>
             </a:extLst>
           </p:cNvPr>
@@ -7898,8 +8384,8 @@
         </p:nvSpPr>
         <p:spPr>
           <a:xfrm>
-            <a:off x="8830686" y="2381056"/>
-            <a:ext cx="2645923" cy="3693319"/>
+            <a:off x="8830686" y="1586706"/>
+            <a:ext cx="2645923" cy="5355312"/>
           </a:xfrm>
           <a:prstGeom prst="rect">
             <a:avLst/>
@@ -7913,7 +8399,7 @@
           <a:lstStyle/>
           <a:p>
             <a:r>
-              <a:rPr lang="en-US"/>
+              <a:rPr lang="en-US" dirty="0"/>
               <a:t>ANOVA: p = &lt;2e-16</a:t>
             </a:r>
           </a:p>
@@ -7923,8 +8409,8 @@
               <a:buChar char="•"/>
             </a:pPr>
             <a:r>
-              <a:rPr lang="en-US"/>
-              <a:t>Methanol Control, 10% max, 25% Max, 50% Max, 75% Max, 100% Max, 125% Max &gt; Control</a:t>
+              <a:rPr lang="en-US" dirty="0"/>
+              <a:t>10% max &gt; Time Zero</a:t>
             </a:r>
           </a:p>
           <a:p>
@@ -7933,8 +8419,8 @@
               <a:buChar char="•"/>
             </a:pPr>
             <a:r>
-              <a:rPr lang="en-US"/>
-              <a:t>Control, Methanol Control, 10% max, 25% Max, 50% Max, 75% Max, 100% Max, 125% Max  &gt; Time Zero</a:t>
+              <a:rPr lang="en-US" dirty="0"/>
+              <a:t>100% max &gt; Time Zero</a:t>
             </a:r>
           </a:p>
           <a:p>
@@ -7943,17 +8429,96 @@
               <a:buChar char="•"/>
             </a:pPr>
             <a:r>
-              <a:rPr lang="en-US"/>
-              <a:t>25% Max &gt; 10% Max</a:t>
-            </a:r>
-            <a:endParaRPr lang="en-US" dirty="0"/>
+              <a:rPr lang="en-US" dirty="0"/>
+              <a:t>125% max &gt; Time Zero</a:t>
+            </a:r>
+          </a:p>
+          <a:p>
+            <a:pPr marL="285750" indent="-285750">
+              <a:buFont typeface="Arial" panose="020B0604020202020204" pitchFamily="34" charset="0"/>
+              <a:buChar char="•"/>
+            </a:pPr>
+            <a:r>
+              <a:rPr lang="en-US" dirty="0"/>
+              <a:t>25% max &gt; Time Zero</a:t>
+            </a:r>
+          </a:p>
+          <a:p>
+            <a:pPr marL="285750" indent="-285750">
+              <a:buFont typeface="Arial" panose="020B0604020202020204" pitchFamily="34" charset="0"/>
+              <a:buChar char="•"/>
+            </a:pPr>
+            <a:r>
+              <a:rPr lang="en-US" dirty="0"/>
+              <a:t>50% max &gt; Time Zero</a:t>
+            </a:r>
+          </a:p>
+          <a:p>
+            <a:pPr marL="285750" indent="-285750">
+              <a:buFont typeface="Arial" panose="020B0604020202020204" pitchFamily="34" charset="0"/>
+              <a:buChar char="•"/>
+            </a:pPr>
+            <a:r>
+              <a:rPr lang="en-US" dirty="0"/>
+              <a:t>75% max &gt; Time Zero</a:t>
+            </a:r>
+          </a:p>
+          <a:p>
+            <a:pPr marL="285750" indent="-285750">
+              <a:buFont typeface="Arial" panose="020B0604020202020204" pitchFamily="34" charset="0"/>
+              <a:buChar char="•"/>
+            </a:pPr>
+            <a:r>
+              <a:rPr lang="en-US" dirty="0"/>
+              <a:t>Acetone Control &gt; Time Zero</a:t>
+            </a:r>
+          </a:p>
+          <a:p>
+            <a:pPr marL="285750" indent="-285750">
+              <a:buFont typeface="Arial" panose="020B0604020202020204" pitchFamily="34" charset="0"/>
+              <a:buChar char="•"/>
+            </a:pPr>
+            <a:r>
+              <a:rPr lang="en-US" dirty="0"/>
+              <a:t>Control &gt; Time Zero</a:t>
+            </a:r>
+          </a:p>
+          <a:p>
+            <a:pPr marL="285750" indent="-285750">
+              <a:buFont typeface="Arial" panose="020B0604020202020204" pitchFamily="34" charset="0"/>
+              <a:buChar char="•"/>
+            </a:pPr>
+            <a:r>
+              <a:rPr lang="en-US" dirty="0"/>
+              <a:t>100% max &gt; 10% max, acetone control, control</a:t>
+            </a:r>
+          </a:p>
+          <a:p>
+            <a:pPr marL="285750" indent="-285750">
+              <a:buFont typeface="Arial" panose="020B0604020202020204" pitchFamily="34" charset="0"/>
+              <a:buChar char="•"/>
+            </a:pPr>
+            <a:r>
+              <a:rPr lang="en-US" dirty="0"/>
+              <a:t>125% max &gt; control, acetone control</a:t>
+            </a:r>
+          </a:p>
+          <a:p>
+            <a:pPr marL="285750" indent="-285750">
+              <a:buFont typeface="Arial" panose="020B0604020202020204" pitchFamily="34" charset="0"/>
+              <a:buChar char="•"/>
+            </a:pPr>
+            <a:r>
+              <a:rPr lang="en-US" dirty="0"/>
+              <a:t>75% max &gt; control, acetone control</a:t>
+            </a:r>
           </a:p>
         </p:txBody>
       </p:sp>
     </p:spTree>
     <p:extLst>
       <p:ext uri="{BB962C8B-B14F-4D97-AF65-F5344CB8AC3E}">
-        <p14:creationId xmlns:p14="http://schemas.microsoft.com/office/powerpoint/2010/main" val="3917521679"/>
+        <p14:creationId xmlns:p14="http://schemas.microsoft.com/office/powerpoint/2010/main" val="881901301"/>
       </p:ext>
     </p:extLst>
   </p:cSld>
@@ -7963,7 +8528,7 @@
 </p:sld>
 </file>
 
-<file path=ppt/slides/slide8.xml><?xml version="1.0" encoding="utf-8"?>
+<file path=ppt/slides/slide7.xml><?xml version="1.0" encoding="utf-8"?>
 <p:sld xmlns:a="http://schemas.openxmlformats.org/drawingml/2006/main" xmlns:r="http://schemas.openxmlformats.org/officeDocument/2006/relationships" xmlns:p="http://schemas.openxmlformats.org/presentationml/2006/main">
   <p:cSld>
     <p:bg>
@@ -8543,17 +9108,17 @@
                   <a:srgbClr val="FFFFFF"/>
                 </a:solidFill>
               </a:rPr>
-              <a:t>6ppd Quinone - Biomass</a:t>
+              <a:t>PFOS - Biomass</a:t>
             </a:r>
           </a:p>
         </p:txBody>
       </p:sp>
       <p:pic>
         <p:nvPicPr>
-          <p:cNvPr id="5" name="Content Placeholder 4" descr="A graph of a graph&#10;&#10;Description automatically generated with medium confidence">
-            <a:extLst>
-              <a:ext uri="{FF2B5EF4-FFF2-40B4-BE49-F238E27FC236}">
-                <a16:creationId xmlns:a16="http://schemas.microsoft.com/office/drawing/2014/main" id="{3A6D2C85-1121-FF98-AB13-A3E36669756C}"/>
+          <p:cNvPr id="5" name="Content Placeholder 4" descr="A graph of a graph&#10;&#10;Description automatically generated">
+            <a:extLst>
+              <a:ext uri="{FF2B5EF4-FFF2-40B4-BE49-F238E27FC236}">
+                <a16:creationId xmlns:a16="http://schemas.microsoft.com/office/drawing/2014/main" id="{6989BB80-7F69-5E30-B64A-787D80876420}"/>
               </a:ext>
             </a:extLst>
           </p:cNvPr>
@@ -8578,7 +9143,7 @@
         </p:blipFill>
         <p:spPr>
           <a:xfrm>
-            <a:off x="-4" y="1586706"/>
+            <a:off x="-8" y="1586706"/>
             <a:ext cx="8283461" cy="5271294"/>
           </a:xfrm>
         </p:spPr>
@@ -8588,7 +9153,7 @@
           <p:cNvPr id="6" name="TextBox 5">
             <a:extLst>
               <a:ext uri="{FF2B5EF4-FFF2-40B4-BE49-F238E27FC236}">
-                <a16:creationId xmlns:a16="http://schemas.microsoft.com/office/drawing/2014/main" id="{9589EB15-DD03-A7A6-35FA-02CDC2E4789A}"/>
+                <a16:creationId xmlns:a16="http://schemas.microsoft.com/office/drawing/2014/main" id="{E6599C2E-D9B5-23FC-488C-F8259527FDEE}"/>
               </a:ext>
             </a:extLst>
           </p:cNvPr>
@@ -8597,8 +9162,8 @@
         </p:nvSpPr>
         <p:spPr>
           <a:xfrm>
-            <a:off x="8830686" y="2242557"/>
-            <a:ext cx="2645923" cy="3970318"/>
+            <a:off x="8830686" y="3627551"/>
+            <a:ext cx="2645923" cy="1200329"/>
           </a:xfrm>
           <a:prstGeom prst="rect">
             <a:avLst/>
@@ -8613,7 +9178,7 @@
           <a:p>
             <a:r>
               <a:rPr lang="en-US" dirty="0"/>
-              <a:t>ANOVA: p = 0.000102</a:t>
+              <a:t>ANOVA: p = 0.00477</a:t>
             </a:r>
           </a:p>
           <a:p>
@@ -8623,7 +9188,7 @@
             </a:pPr>
             <a:r>
               <a:rPr lang="en-US" dirty="0"/>
-              <a:t>10% Max &gt; T0</a:t>
+              <a:t>Methanol Control &gt; Time Zero</a:t>
             </a:r>
           </a:p>
           <a:p>
@@ -8633,86 +9198,6 @@
             </a:pPr>
             <a:r>
               <a:rPr lang="en-US" dirty="0"/>
-              <a:t>100% Max &lt; Methanol Control</a:t>
-            </a:r>
-          </a:p>
-          <a:p>
-            <a:pPr marL="285750" indent="-285750">
-              <a:buFont typeface="Arial" panose="020B0604020202020204" pitchFamily="34" charset="0"/>
-              <a:buChar char="•"/>
-            </a:pPr>
-            <a:r>
-              <a:rPr lang="en-US" dirty="0"/>
-              <a:t>125% Max &lt; Methanol </a:t>
-            </a:r>
-          </a:p>
-          <a:p>
-            <a:pPr marL="285750" indent="-285750">
-              <a:buFont typeface="Arial" panose="020B0604020202020204" pitchFamily="34" charset="0"/>
-              <a:buChar char="•"/>
-            </a:pPr>
-            <a:r>
-              <a:rPr lang="en-US" dirty="0"/>
-              <a:t>25% Max &lt; Methanol </a:t>
-            </a:r>
-          </a:p>
-          <a:p>
-            <a:pPr marL="285750" indent="-285750">
-              <a:buFont typeface="Arial" panose="020B0604020202020204" pitchFamily="34" charset="0"/>
-              <a:buChar char="•"/>
-            </a:pPr>
-            <a:r>
-              <a:rPr lang="en-US" dirty="0"/>
-              <a:t>50% Max &lt; Methanol </a:t>
-            </a:r>
-          </a:p>
-          <a:p>
-            <a:pPr marL="285750" indent="-285750">
-              <a:buFont typeface="Arial" panose="020B0604020202020204" pitchFamily="34" charset="0"/>
-              <a:buChar char="•"/>
-            </a:pPr>
-            <a:r>
-              <a:rPr lang="en-US" dirty="0"/>
-              <a:t>75% Max &lt; Methanol </a:t>
-            </a:r>
-          </a:p>
-          <a:p>
-            <a:pPr marL="285750" indent="-285750">
-              <a:buFont typeface="Arial" panose="020B0604020202020204" pitchFamily="34" charset="0"/>
-              <a:buChar char="•"/>
-            </a:pPr>
-            <a:r>
-              <a:rPr lang="en-US" dirty="0"/>
-              <a:t>75% Max &gt; T0</a:t>
-            </a:r>
-          </a:p>
-          <a:p>
-            <a:pPr marL="285750" indent="-285750">
-              <a:buFont typeface="Arial" panose="020B0604020202020204" pitchFamily="34" charset="0"/>
-              <a:buChar char="•"/>
-            </a:pPr>
-            <a:r>
-              <a:rPr lang="en-US" dirty="0"/>
-              <a:t>Methanol Control &gt; Control</a:t>
-            </a:r>
-          </a:p>
-          <a:p>
-            <a:pPr marL="285750" indent="-285750">
-              <a:buFont typeface="Arial" panose="020B0604020202020204" pitchFamily="34" charset="0"/>
-              <a:buChar char="•"/>
-            </a:pPr>
-            <a:r>
-              <a:rPr lang="en-US" dirty="0"/>
-              <a:t>Methanol Control &gt; Time Zero</a:t>
-            </a:r>
-          </a:p>
-          <a:p>
-            <a:pPr marL="285750" indent="-285750">
-              <a:buFont typeface="Arial" panose="020B0604020202020204" pitchFamily="34" charset="0"/>
-              <a:buChar char="•"/>
-            </a:pPr>
-            <a:r>
-              <a:rPr lang="en-US" dirty="0"/>
               <a:t>Control &gt; Time Zero</a:t>
             </a:r>
           </a:p>
@@ -8721,7 +9206,7 @@
     </p:spTree>
     <p:extLst>
       <p:ext uri="{BB962C8B-B14F-4D97-AF65-F5344CB8AC3E}">
-        <p14:creationId xmlns:p14="http://schemas.microsoft.com/office/powerpoint/2010/main" val="721553390"/>
+        <p14:creationId xmlns:p14="http://schemas.microsoft.com/office/powerpoint/2010/main" val="1606770238"/>
       </p:ext>
     </p:extLst>
   </p:cSld>
@@ -8731,7 +9216,7 @@
 </p:sld>
 </file>
 
-<file path=ppt/slides/slide9.xml><?xml version="1.0" encoding="utf-8"?>
+<file path=ppt/slides/slide8.xml><?xml version="1.0" encoding="utf-8"?>
 <p:sld xmlns:a="http://schemas.openxmlformats.org/drawingml/2006/main" xmlns:r="http://schemas.openxmlformats.org/officeDocument/2006/relationships" xmlns:p="http://schemas.openxmlformats.org/presentationml/2006/main">
   <p:cSld>
     <p:bg>
@@ -9311,17 +9796,17 @@
                   <a:srgbClr val="FFFFFF"/>
                 </a:solidFill>
               </a:rPr>
-              <a:t>6ppd Quinone - PAM</a:t>
+              <a:t>PFOS - PAM</a:t>
             </a:r>
           </a:p>
         </p:txBody>
       </p:sp>
       <p:pic>
         <p:nvPicPr>
-          <p:cNvPr id="5" name="Content Placeholder 4" descr="A graph of a chart&#10;&#10;Description automatically generated with medium confidence">
-            <a:extLst>
-              <a:ext uri="{FF2B5EF4-FFF2-40B4-BE49-F238E27FC236}">
-                <a16:creationId xmlns:a16="http://schemas.microsoft.com/office/drawing/2014/main" id="{6A263C9C-1B78-9932-7B8A-C6BCF65177D7}"/>
+          <p:cNvPr id="5" name="Content Placeholder 4" descr="A graph of a diagram&#10;&#10;Description automatically generated with medium confidence">
+            <a:extLst>
+              <a:ext uri="{FF2B5EF4-FFF2-40B4-BE49-F238E27FC236}">
+                <a16:creationId xmlns:a16="http://schemas.microsoft.com/office/drawing/2014/main" id="{57B5B827-07E6-EAEE-871C-3020B37F608D}"/>
               </a:ext>
             </a:extLst>
           </p:cNvPr>
@@ -9346,7 +9831,706 @@
         </p:blipFill>
         <p:spPr>
           <a:xfrm>
-            <a:off x="-1" y="1586706"/>
+            <a:off x="-3" y="1597432"/>
+            <a:ext cx="8266606" cy="5260568"/>
+          </a:xfrm>
+        </p:spPr>
+      </p:pic>
+      <p:sp>
+        <p:nvSpPr>
+          <p:cNvPr id="9" name="TextBox 8">
+            <a:extLst>
+              <a:ext uri="{FF2B5EF4-FFF2-40B4-BE49-F238E27FC236}">
+                <a16:creationId xmlns:a16="http://schemas.microsoft.com/office/drawing/2014/main" id="{99031151-E444-FB74-E40B-E34B5DFD9A39}"/>
+              </a:ext>
+            </a:extLst>
+          </p:cNvPr>
+          <p:cNvSpPr txBox="1"/>
+          <p:nvPr/>
+        </p:nvSpPr>
+        <p:spPr>
+          <a:xfrm>
+            <a:off x="8830686" y="2381056"/>
+            <a:ext cx="2645923" cy="3693319"/>
+          </a:xfrm>
+          <a:prstGeom prst="rect">
+            <a:avLst/>
+          </a:prstGeom>
+          <a:noFill/>
+        </p:spPr>
+        <p:txBody>
+          <a:bodyPr wrap="square" rtlCol="0">
+            <a:spAutoFit/>
+          </a:bodyPr>
+          <a:lstStyle/>
+          <a:p>
+            <a:r>
+              <a:rPr lang="en-US"/>
+              <a:t>ANOVA: p = &lt;2e-16</a:t>
+            </a:r>
+          </a:p>
+          <a:p>
+            <a:pPr marL="285750" indent="-285750">
+              <a:buFont typeface="Arial" panose="020B0604020202020204" pitchFamily="34" charset="0"/>
+              <a:buChar char="•"/>
+            </a:pPr>
+            <a:r>
+              <a:rPr lang="en-US"/>
+              <a:t>Methanol Control, 10% max, 25% Max, 50% Max, 75% Max, 100% Max, 125% Max &gt; Control</a:t>
+            </a:r>
+          </a:p>
+          <a:p>
+            <a:pPr marL="285750" indent="-285750">
+              <a:buFont typeface="Arial" panose="020B0604020202020204" pitchFamily="34" charset="0"/>
+              <a:buChar char="•"/>
+            </a:pPr>
+            <a:r>
+              <a:rPr lang="en-US"/>
+              <a:t>Control, Methanol Control, 10% max, 25% Max, 50% Max, 75% Max, 100% Max, 125% Max  &gt; Time Zero</a:t>
+            </a:r>
+          </a:p>
+          <a:p>
+            <a:pPr marL="285750" indent="-285750">
+              <a:buFont typeface="Arial" panose="020B0604020202020204" pitchFamily="34" charset="0"/>
+              <a:buChar char="•"/>
+            </a:pPr>
+            <a:r>
+              <a:rPr lang="en-US"/>
+              <a:t>25% Max &gt; 10% Max</a:t>
+            </a:r>
+            <a:endParaRPr lang="en-US" dirty="0"/>
+          </a:p>
+        </p:txBody>
+      </p:sp>
+    </p:spTree>
+    <p:extLst>
+      <p:ext uri="{BB962C8B-B14F-4D97-AF65-F5344CB8AC3E}">
+        <p14:creationId xmlns:p14="http://schemas.microsoft.com/office/powerpoint/2010/main" val="3917521679"/>
+      </p:ext>
+    </p:extLst>
+  </p:cSld>
+  <p:clrMapOvr>
+    <a:masterClrMapping/>
+  </p:clrMapOvr>
+</p:sld>
+</file>
+
+<file path=ppt/slides/slide9.xml><?xml version="1.0" encoding="utf-8"?>
+<p:sld xmlns:a="http://schemas.openxmlformats.org/drawingml/2006/main" xmlns:r="http://schemas.openxmlformats.org/officeDocument/2006/relationships" xmlns:p="http://schemas.openxmlformats.org/presentationml/2006/main">
+  <p:cSld>
+    <p:bg>
+      <p:bgPr>
+        <a:solidFill>
+          <a:schemeClr val="bg1"/>
+        </a:solidFill>
+        <a:effectLst/>
+      </p:bgPr>
+    </p:bg>
+    <p:spTree>
+      <p:nvGrpSpPr>
+        <p:cNvPr id="1" name=""/>
+        <p:cNvGrpSpPr/>
+        <p:nvPr/>
+      </p:nvGrpSpPr>
+      <p:grpSpPr>
+        <a:xfrm>
+          <a:off x="0" y="0"/>
+          <a:ext cx="0" cy="0"/>
+          <a:chOff x="0" y="0"/>
+          <a:chExt cx="0" cy="0"/>
+        </a:xfrm>
+      </p:grpSpPr>
+      <p:sp useBgFill="1">
+        <p:nvSpPr>
+          <p:cNvPr id="8" name="Rectangle 7">
+            <a:extLst>
+              <a:ext uri="{FF2B5EF4-FFF2-40B4-BE49-F238E27FC236}">
+                <a16:creationId xmlns:a16="http://schemas.microsoft.com/office/drawing/2014/main" id="{1B15ED52-F352-441B-82BF-E0EA34836D08}"/>
+              </a:ext>
+              <a:ext uri="{C183D7F6-B498-43B3-948B-1728B52AA6E4}">
+                <adec:decorative xmlns:adec="http://schemas.microsoft.com/office/drawing/2017/decorative" val="1"/>
+              </a:ext>
+            </a:extLst>
+          </p:cNvPr>
+          <p:cNvSpPr>
+            <a:spLocks noGrp="1" noRot="1" noChangeAspect="1" noMove="1" noResize="1" noEditPoints="1" noAdjustHandles="1" noChangeArrowheads="1" noChangeShapeType="1" noTextEdit="1"/>
+          </p:cNvSpPr>
+          <p:nvPr>
+            <p:extLst>
+              <p:ext uri="{386F3935-93C4-4BCD-93E2-E3B085C9AB24}">
+                <p16:designElem xmlns:p16="http://schemas.microsoft.com/office/powerpoint/2015/main" val="1"/>
+              </p:ext>
+            </p:extLst>
+          </p:nvPr>
+        </p:nvSpPr>
+        <p:spPr>
+          <a:xfrm>
+            <a:off x="0" y="0"/>
+            <a:ext cx="12192000" cy="6858000"/>
+          </a:xfrm>
+          <a:prstGeom prst="rect">
+            <a:avLst/>
+          </a:prstGeom>
+          <a:ln w="12700" cap="flat" cmpd="sng" algn="ctr">
+            <a:noFill/>
+            <a:prstDash val="solid"/>
+            <a:miter lim="800000"/>
+          </a:ln>
+          <a:effectLst/>
+          <a:extLst>
+            <a:ext uri="{91240B29-F687-4F45-9708-019B960494DF}">
+              <a14:hiddenLine xmlns:a14="http://schemas.microsoft.com/office/drawing/2010/main" w="12700" cap="flat" cmpd="sng" algn="ctr">
+                <a:solidFill>
+                  <a:schemeClr val="accent1">
+                    <a:shade val="50000"/>
+                  </a:schemeClr>
+                </a:solidFill>
+                <a:prstDash val="solid"/>
+                <a:miter lim="800000"/>
+              </a14:hiddenLine>
+            </a:ext>
+          </a:extLst>
+        </p:spPr>
+        <p:style>
+          <a:lnRef idx="2">
+            <a:schemeClr val="accent1">
+              <a:shade val="50000"/>
+            </a:schemeClr>
+          </a:lnRef>
+          <a:fillRef idx="1">
+            <a:schemeClr val="accent1"/>
+          </a:fillRef>
+          <a:effectRef idx="0">
+            <a:schemeClr val="accent1"/>
+          </a:effectRef>
+          <a:fontRef idx="minor">
+            <a:schemeClr val="lt1"/>
+          </a:fontRef>
+        </p:style>
+        <p:txBody>
+          <a:bodyPr rtlCol="0" anchor="ctr"/>
+          <a:lstStyle/>
+          <a:p>
+            <a:pPr marL="0" marR="0" lvl="0" indent="0" algn="ctr" defTabSz="914400" rtl="0" eaLnBrk="1" fontAlgn="auto" latinLnBrk="0" hangingPunct="1">
+              <a:lnSpc>
+                <a:spcPct val="100000"/>
+              </a:lnSpc>
+              <a:spcBef>
+                <a:spcPts val="0"/>
+              </a:spcBef>
+              <a:spcAft>
+                <a:spcPts val="0"/>
+              </a:spcAft>
+              <a:buClrTx/>
+              <a:buSzTx/>
+              <a:buFontTx/>
+              <a:buNone/>
+              <a:tabLst/>
+              <a:defRPr/>
+            </a:pPr>
+            <a:endParaRPr kumimoji="0" lang="en-US" sz="1800" b="0" i="0" u="none" strike="noStrike" kern="1200" cap="none" spc="0" normalizeH="0" baseline="0" noProof="0">
+              <a:ln>
+                <a:noFill/>
+              </a:ln>
+              <a:solidFill>
+                <a:prstClr val="white"/>
+              </a:solidFill>
+              <a:effectLst/>
+              <a:uLnTx/>
+              <a:uFillTx/>
+              <a:latin typeface="Aptos" panose="02110004020202020204"/>
+              <a:ea typeface="+mn-ea"/>
+              <a:cs typeface="+mn-cs"/>
+            </a:endParaRPr>
+          </a:p>
+        </p:txBody>
+      </p:sp>
+      <p:sp>
+        <p:nvSpPr>
+          <p:cNvPr id="10" name="Rectangle 9">
+            <a:extLst>
+              <a:ext uri="{FF2B5EF4-FFF2-40B4-BE49-F238E27FC236}">
+                <a16:creationId xmlns:a16="http://schemas.microsoft.com/office/drawing/2014/main" id="{3B2E3793-BFE6-45A2-9B7B-E18844431C99}"/>
+              </a:ext>
+              <a:ext uri="{C183D7F6-B498-43B3-948B-1728B52AA6E4}">
+                <adec:decorative xmlns:adec="http://schemas.microsoft.com/office/drawing/2017/decorative" val="1"/>
+              </a:ext>
+            </a:extLst>
+          </p:cNvPr>
+          <p:cNvSpPr>
+            <a:spLocks noGrp="1" noRot="1" noChangeAspect="1" noMove="1" noResize="1" noEditPoints="1" noAdjustHandles="1" noChangeArrowheads="1" noChangeShapeType="1" noTextEdit="1"/>
+          </p:cNvSpPr>
+          <p:nvPr>
+            <p:extLst>
+              <p:ext uri="{386F3935-93C4-4BCD-93E2-E3B085C9AB24}">
+                <p16:designElem xmlns:p16="http://schemas.microsoft.com/office/powerpoint/2015/main" val="1"/>
+              </p:ext>
+            </p:extLst>
+          </p:nvPr>
+        </p:nvSpPr>
+        <p:spPr>
+          <a:xfrm flipH="1">
+            <a:off x="-1" y="-1"/>
+            <a:ext cx="12191998" cy="1590742"/>
+          </a:xfrm>
+          <a:prstGeom prst="rect">
+            <a:avLst/>
+          </a:prstGeom>
+          <a:gradFill>
+            <a:gsLst>
+              <a:gs pos="0">
+                <a:srgbClr val="000000"/>
+              </a:gs>
+              <a:gs pos="100000">
+                <a:schemeClr val="accent1">
+                  <a:lumMod val="75000"/>
+                </a:schemeClr>
+              </a:gs>
+            </a:gsLst>
+            <a:lin ang="8400000" scaled="0"/>
+          </a:gradFill>
+          <a:ln>
+            <a:noFill/>
+          </a:ln>
+        </p:spPr>
+        <p:style>
+          <a:lnRef idx="2">
+            <a:schemeClr val="accent1">
+              <a:shade val="50000"/>
+            </a:schemeClr>
+          </a:lnRef>
+          <a:fillRef idx="1">
+            <a:schemeClr val="accent1"/>
+          </a:fillRef>
+          <a:effectRef idx="0">
+            <a:schemeClr val="accent1"/>
+          </a:effectRef>
+          <a:fontRef idx="minor">
+            <a:schemeClr val="lt1"/>
+          </a:fontRef>
+        </p:style>
+        <p:txBody>
+          <a:bodyPr rtlCol="0" anchor="ctr"/>
+          <a:lstStyle/>
+          <a:p>
+            <a:pPr marL="0" marR="0" lvl="0" indent="0" algn="ctr" defTabSz="914400" rtl="0" eaLnBrk="1" fontAlgn="auto" latinLnBrk="0" hangingPunct="1">
+              <a:lnSpc>
+                <a:spcPct val="100000"/>
+              </a:lnSpc>
+              <a:spcBef>
+                <a:spcPts val="0"/>
+              </a:spcBef>
+              <a:spcAft>
+                <a:spcPts val="0"/>
+              </a:spcAft>
+              <a:buClrTx/>
+              <a:buSzTx/>
+              <a:buFontTx/>
+              <a:buNone/>
+              <a:tabLst/>
+              <a:defRPr/>
+            </a:pPr>
+            <a:endParaRPr kumimoji="0" lang="en-US" sz="1800" b="0" i="0" u="none" strike="noStrike" kern="1200" cap="none" spc="0" normalizeH="0" baseline="0" noProof="0">
+              <a:ln>
+                <a:noFill/>
+              </a:ln>
+              <a:solidFill>
+                <a:prstClr val="white"/>
+              </a:solidFill>
+              <a:effectLst/>
+              <a:uLnTx/>
+              <a:uFillTx/>
+              <a:latin typeface="Aptos" panose="02110004020202020204"/>
+              <a:ea typeface="+mn-ea"/>
+              <a:cs typeface="+mn-cs"/>
+            </a:endParaRPr>
+          </a:p>
+        </p:txBody>
+      </p:sp>
+      <p:sp>
+        <p:nvSpPr>
+          <p:cNvPr id="12" name="Rectangle 11">
+            <a:extLst>
+              <a:ext uri="{FF2B5EF4-FFF2-40B4-BE49-F238E27FC236}">
+                <a16:creationId xmlns:a16="http://schemas.microsoft.com/office/drawing/2014/main" id="{BC4C4868-CB8F-4AF9-9CDB-8108F2C19B67}"/>
+              </a:ext>
+              <a:ext uri="{C183D7F6-B498-43B3-948B-1728B52AA6E4}">
+                <adec:decorative xmlns:adec="http://schemas.microsoft.com/office/drawing/2017/decorative" val="1"/>
+              </a:ext>
+            </a:extLst>
+          </p:cNvPr>
+          <p:cNvSpPr>
+            <a:spLocks noGrp="1" noRot="1" noChangeAspect="1" noMove="1" noResize="1" noEditPoints="1" noAdjustHandles="1" noChangeArrowheads="1" noChangeShapeType="1" noTextEdit="1"/>
+          </p:cNvSpPr>
+          <p:nvPr>
+            <p:extLst>
+              <p:ext uri="{386F3935-93C4-4BCD-93E2-E3B085C9AB24}">
+                <p16:designElem xmlns:p16="http://schemas.microsoft.com/office/powerpoint/2015/main" val="1"/>
+              </p:ext>
+            </p:extLst>
+          </p:nvPr>
+        </p:nvSpPr>
+        <p:spPr>
+          <a:xfrm rot="10800000" flipH="1">
+            <a:off x="-3" y="0"/>
+            <a:ext cx="8115306" cy="1590742"/>
+          </a:xfrm>
+          <a:prstGeom prst="rect">
+            <a:avLst/>
+          </a:prstGeom>
+          <a:gradFill>
+            <a:gsLst>
+              <a:gs pos="20000">
+                <a:schemeClr val="accent1">
+                  <a:alpha val="0"/>
+                </a:schemeClr>
+              </a:gs>
+              <a:gs pos="100000">
+                <a:schemeClr val="accent1">
+                  <a:lumMod val="50000"/>
+                  <a:alpha val="55000"/>
+                </a:schemeClr>
+              </a:gs>
+            </a:gsLst>
+            <a:lin ang="13800000" scaled="0"/>
+          </a:gradFill>
+          <a:ln>
+            <a:noFill/>
+          </a:ln>
+        </p:spPr>
+        <p:style>
+          <a:lnRef idx="2">
+            <a:schemeClr val="accent1">
+              <a:shade val="50000"/>
+            </a:schemeClr>
+          </a:lnRef>
+          <a:fillRef idx="1">
+            <a:schemeClr val="accent1"/>
+          </a:fillRef>
+          <a:effectRef idx="0">
+            <a:schemeClr val="accent1"/>
+          </a:effectRef>
+          <a:fontRef idx="minor">
+            <a:schemeClr val="lt1"/>
+          </a:fontRef>
+        </p:style>
+        <p:txBody>
+          <a:bodyPr rtlCol="0" anchor="ctr"/>
+          <a:lstStyle/>
+          <a:p>
+            <a:pPr marL="0" marR="0" lvl="0" indent="0" algn="ctr" defTabSz="914400" rtl="0" eaLnBrk="1" fontAlgn="auto" latinLnBrk="0" hangingPunct="1">
+              <a:lnSpc>
+                <a:spcPct val="100000"/>
+              </a:lnSpc>
+              <a:spcBef>
+                <a:spcPts val="0"/>
+              </a:spcBef>
+              <a:spcAft>
+                <a:spcPts val="0"/>
+              </a:spcAft>
+              <a:buClrTx/>
+              <a:buSzTx/>
+              <a:buFontTx/>
+              <a:buNone/>
+              <a:tabLst/>
+              <a:defRPr/>
+            </a:pPr>
+            <a:endParaRPr kumimoji="0" lang="en-US" sz="1800" b="0" i="0" u="none" strike="noStrike" kern="1200" cap="none" spc="0" normalizeH="0" baseline="0" noProof="0">
+              <a:ln>
+                <a:noFill/>
+              </a:ln>
+              <a:solidFill>
+                <a:prstClr val="white"/>
+              </a:solidFill>
+              <a:effectLst/>
+              <a:uLnTx/>
+              <a:uFillTx/>
+              <a:latin typeface="Aptos" panose="02110004020202020204"/>
+              <a:ea typeface="+mn-ea"/>
+              <a:cs typeface="+mn-cs"/>
+            </a:endParaRPr>
+          </a:p>
+        </p:txBody>
+      </p:sp>
+      <p:sp>
+        <p:nvSpPr>
+          <p:cNvPr id="14" name="Rectangle 13">
+            <a:extLst>
+              <a:ext uri="{FF2B5EF4-FFF2-40B4-BE49-F238E27FC236}">
+                <a16:creationId xmlns:a16="http://schemas.microsoft.com/office/drawing/2014/main" id="{375E0459-6403-40CD-989D-56A4407CA12E}"/>
+              </a:ext>
+              <a:ext uri="{C183D7F6-B498-43B3-948B-1728B52AA6E4}">
+                <adec:decorative xmlns:adec="http://schemas.microsoft.com/office/drawing/2017/decorative" val="1"/>
+              </a:ext>
+            </a:extLst>
+          </p:cNvPr>
+          <p:cNvSpPr>
+            <a:spLocks noGrp="1" noRot="1" noChangeAspect="1" noMove="1" noResize="1" noEditPoints="1" noAdjustHandles="1" noChangeArrowheads="1" noChangeShapeType="1" noTextEdit="1"/>
+          </p:cNvSpPr>
+          <p:nvPr>
+            <p:extLst>
+              <p:ext uri="{386F3935-93C4-4BCD-93E2-E3B085C9AB24}">
+                <p16:designElem xmlns:p16="http://schemas.microsoft.com/office/powerpoint/2015/main" val="1"/>
+              </p:ext>
+            </p:extLst>
+          </p:nvPr>
+        </p:nvSpPr>
+        <p:spPr>
+          <a:xfrm flipH="1">
+            <a:off x="8115299" y="-1"/>
+            <a:ext cx="4076698" cy="1590742"/>
+          </a:xfrm>
+          <a:prstGeom prst="rect">
+            <a:avLst/>
+          </a:prstGeom>
+          <a:gradFill>
+            <a:gsLst>
+              <a:gs pos="0">
+                <a:schemeClr val="accent1">
+                  <a:alpha val="66000"/>
+                </a:schemeClr>
+              </a:gs>
+              <a:gs pos="100000">
+                <a:srgbClr val="000000">
+                  <a:alpha val="30000"/>
+                </a:srgbClr>
+              </a:gs>
+            </a:gsLst>
+            <a:lin ang="13200000" scaled="0"/>
+          </a:gradFill>
+          <a:ln>
+            <a:noFill/>
+          </a:ln>
+        </p:spPr>
+        <p:style>
+          <a:lnRef idx="2">
+            <a:schemeClr val="accent1">
+              <a:shade val="50000"/>
+            </a:schemeClr>
+          </a:lnRef>
+          <a:fillRef idx="1">
+            <a:schemeClr val="accent1"/>
+          </a:fillRef>
+          <a:effectRef idx="0">
+            <a:schemeClr val="accent1"/>
+          </a:effectRef>
+          <a:fontRef idx="minor">
+            <a:schemeClr val="lt1"/>
+          </a:fontRef>
+        </p:style>
+        <p:txBody>
+          <a:bodyPr rtlCol="0" anchor="ctr"/>
+          <a:lstStyle/>
+          <a:p>
+            <a:pPr marL="0" marR="0" lvl="0" indent="0" algn="ctr" defTabSz="914400" rtl="0" eaLnBrk="1" fontAlgn="auto" latinLnBrk="0" hangingPunct="1">
+              <a:lnSpc>
+                <a:spcPct val="100000"/>
+              </a:lnSpc>
+              <a:spcBef>
+                <a:spcPts val="0"/>
+              </a:spcBef>
+              <a:spcAft>
+                <a:spcPts val="0"/>
+              </a:spcAft>
+              <a:buClrTx/>
+              <a:buSzTx/>
+              <a:buFontTx/>
+              <a:buNone/>
+              <a:tabLst/>
+              <a:defRPr/>
+            </a:pPr>
+            <a:endParaRPr kumimoji="0" lang="en-US" sz="1800" b="0" i="0" u="none" strike="noStrike" kern="1200" cap="none" spc="0" normalizeH="0" baseline="0" noProof="0">
+              <a:ln>
+                <a:noFill/>
+              </a:ln>
+              <a:solidFill>
+                <a:prstClr val="white"/>
+              </a:solidFill>
+              <a:effectLst/>
+              <a:uLnTx/>
+              <a:uFillTx/>
+              <a:latin typeface="Aptos" panose="02110004020202020204"/>
+              <a:ea typeface="+mn-ea"/>
+              <a:cs typeface="+mn-cs"/>
+            </a:endParaRPr>
+          </a:p>
+        </p:txBody>
+      </p:sp>
+      <p:sp>
+        <p:nvSpPr>
+          <p:cNvPr id="16" name="Rectangle 15">
+            <a:extLst>
+              <a:ext uri="{FF2B5EF4-FFF2-40B4-BE49-F238E27FC236}">
+                <a16:creationId xmlns:a16="http://schemas.microsoft.com/office/drawing/2014/main" id="{53E5B1A8-3AC9-4BD1-9BBC-78CA94F2D1BA}"/>
+              </a:ext>
+              <a:ext uri="{C183D7F6-B498-43B3-948B-1728B52AA6E4}">
+                <adec:decorative xmlns:adec="http://schemas.microsoft.com/office/drawing/2017/decorative" val="1"/>
+              </a:ext>
+            </a:extLst>
+          </p:cNvPr>
+          <p:cNvSpPr>
+            <a:spLocks noGrp="1" noRot="1" noChangeAspect="1" noMove="1" noResize="1" noEditPoints="1" noAdjustHandles="1" noChangeArrowheads="1" noChangeShapeType="1" noTextEdit="1"/>
+          </p:cNvSpPr>
+          <p:nvPr>
+            <p:extLst>
+              <p:ext uri="{386F3935-93C4-4BCD-93E2-E3B085C9AB24}">
+                <p16:designElem xmlns:p16="http://schemas.microsoft.com/office/powerpoint/2015/main" val="1"/>
+              </p:ext>
+            </p:extLst>
+          </p:nvPr>
+        </p:nvSpPr>
+        <p:spPr>
+          <a:xfrm>
+            <a:off x="459350" y="-1"/>
+            <a:ext cx="11732646" cy="1597433"/>
+          </a:xfrm>
+          <a:prstGeom prst="rect">
+            <a:avLst/>
+          </a:prstGeom>
+          <a:gradFill>
+            <a:gsLst>
+              <a:gs pos="50000">
+                <a:srgbClr val="000000">
+                  <a:alpha val="0"/>
+                </a:srgbClr>
+              </a:gs>
+              <a:gs pos="99000">
+                <a:schemeClr val="accent1">
+                  <a:lumMod val="50000"/>
+                  <a:alpha val="52000"/>
+                </a:schemeClr>
+              </a:gs>
+            </a:gsLst>
+            <a:lin ang="16800000" scaled="0"/>
+          </a:gradFill>
+          <a:ln>
+            <a:noFill/>
+          </a:ln>
+        </p:spPr>
+        <p:style>
+          <a:lnRef idx="2">
+            <a:schemeClr val="accent1">
+              <a:shade val="50000"/>
+            </a:schemeClr>
+          </a:lnRef>
+          <a:fillRef idx="1">
+            <a:schemeClr val="accent1"/>
+          </a:fillRef>
+          <a:effectRef idx="0">
+            <a:schemeClr val="accent1"/>
+          </a:effectRef>
+          <a:fontRef idx="minor">
+            <a:schemeClr val="lt1"/>
+          </a:fontRef>
+        </p:style>
+        <p:txBody>
+          <a:bodyPr rtlCol="0" anchor="ctr"/>
+          <a:lstStyle/>
+          <a:p>
+            <a:pPr marL="0" marR="0" lvl="0" indent="0" algn="ctr" defTabSz="914400" rtl="0" eaLnBrk="1" fontAlgn="auto" latinLnBrk="0" hangingPunct="1">
+              <a:lnSpc>
+                <a:spcPct val="100000"/>
+              </a:lnSpc>
+              <a:spcBef>
+                <a:spcPts val="0"/>
+              </a:spcBef>
+              <a:spcAft>
+                <a:spcPts val="0"/>
+              </a:spcAft>
+              <a:buClrTx/>
+              <a:buSzTx/>
+              <a:buFontTx/>
+              <a:buNone/>
+              <a:tabLst/>
+              <a:defRPr/>
+            </a:pPr>
+            <a:endParaRPr kumimoji="0" lang="en-US" sz="1800" b="0" i="0" u="none" strike="noStrike" kern="1200" cap="none" spc="0" normalizeH="0" baseline="0" noProof="0">
+              <a:ln>
+                <a:noFill/>
+              </a:ln>
+              <a:solidFill>
+                <a:prstClr val="white"/>
+              </a:solidFill>
+              <a:effectLst/>
+              <a:uLnTx/>
+              <a:uFillTx/>
+              <a:latin typeface="Aptos" panose="02110004020202020204"/>
+              <a:ea typeface="+mn-ea"/>
+              <a:cs typeface="+mn-cs"/>
+            </a:endParaRPr>
+          </a:p>
+        </p:txBody>
+      </p:sp>
+      <p:sp>
+        <p:nvSpPr>
+          <p:cNvPr id="2" name="Title 1">
+            <a:extLst>
+              <a:ext uri="{FF2B5EF4-FFF2-40B4-BE49-F238E27FC236}">
+                <a16:creationId xmlns:a16="http://schemas.microsoft.com/office/drawing/2014/main" id="{64396403-3A73-2485-715D-B8547AB15B7C}"/>
+              </a:ext>
+            </a:extLst>
+          </p:cNvPr>
+          <p:cNvSpPr>
+            <a:spLocks noGrp="1"/>
+          </p:cNvSpPr>
+          <p:nvPr>
+            <p:ph type="title"/>
+          </p:nvPr>
+        </p:nvSpPr>
+        <p:spPr>
+          <a:xfrm>
+            <a:off x="1371599" y="294538"/>
+            <a:ext cx="9895951" cy="1033669"/>
+          </a:xfrm>
+        </p:spPr>
+        <p:txBody>
+          <a:bodyPr>
+            <a:normAutofit/>
+          </a:bodyPr>
+          <a:lstStyle/>
+          <a:p>
+            <a:r>
+              <a:rPr lang="en-US" sz="4000" dirty="0">
+                <a:solidFill>
+                  <a:srgbClr val="FFFFFF"/>
+                </a:solidFill>
+              </a:rPr>
+              <a:t>6ppd Quinone - Biomass</a:t>
+            </a:r>
+          </a:p>
+        </p:txBody>
+      </p:sp>
+      <p:pic>
+        <p:nvPicPr>
+          <p:cNvPr id="5" name="Content Placeholder 4" descr="A graph of a graph&#10;&#10;Description automatically generated with medium confidence">
+            <a:extLst>
+              <a:ext uri="{FF2B5EF4-FFF2-40B4-BE49-F238E27FC236}">
+                <a16:creationId xmlns:a16="http://schemas.microsoft.com/office/drawing/2014/main" id="{3A6D2C85-1121-FF98-AB13-A3E36669756C}"/>
+              </a:ext>
+            </a:extLst>
+          </p:cNvPr>
+          <p:cNvPicPr>
+            <a:picLocks noGrp="1" noChangeAspect="1"/>
+          </p:cNvPicPr>
+          <p:nvPr>
+            <p:ph idx="1"/>
+          </p:nvPr>
+        </p:nvPicPr>
+        <p:blipFill>
+          <a:blip r:embed="rId2">
+            <a:extLst>
+              <a:ext uri="{28A0092B-C50C-407E-A947-70E740481C1C}">
+                <a14:useLocalDpi xmlns:a14="http://schemas.microsoft.com/office/drawing/2010/main" val="0"/>
+              </a:ext>
+            </a:extLst>
+          </a:blip>
+          <a:stretch>
+            <a:fillRect/>
+          </a:stretch>
+        </p:blipFill>
+        <p:spPr>
+          <a:xfrm>
+            <a:off x="-4" y="1586706"/>
             <a:ext cx="8283461" cy="5271294"/>
           </a:xfrm>
         </p:spPr>
@@ -9356,7 +10540,7 @@
           <p:cNvPr id="6" name="TextBox 5">
             <a:extLst>
               <a:ext uri="{FF2B5EF4-FFF2-40B4-BE49-F238E27FC236}">
-                <a16:creationId xmlns:a16="http://schemas.microsoft.com/office/drawing/2014/main" id="{59E21841-FB8F-BBE7-EA2B-8E33B4CBC526}"/>
+                <a16:creationId xmlns:a16="http://schemas.microsoft.com/office/drawing/2014/main" id="{9589EB15-DD03-A7A6-35FA-02CDC2E4789A}"/>
               </a:ext>
             </a:extLst>
           </p:cNvPr>
@@ -9365,7 +10549,7 @@
         </p:nvSpPr>
         <p:spPr>
           <a:xfrm>
-            <a:off x="8830686" y="2381056"/>
+            <a:off x="8830686" y="2242557"/>
             <a:ext cx="2645923" cy="3970318"/>
           </a:xfrm>
           <a:prstGeom prst="rect">
@@ -9381,7 +10565,7 @@
           <a:p>
             <a:r>
               <a:rPr lang="en-US" dirty="0"/>
-              <a:t>ANOVA: p = &lt;2e-16</a:t>
+              <a:t>ANOVA: p = 0.000102</a:t>
             </a:r>
           </a:p>
           <a:p>
@@ -9391,7 +10575,7 @@
             </a:pPr>
             <a:r>
               <a:rPr lang="en-US" dirty="0"/>
-              <a:t>Methanol Control, 10% max, 25% Max, 50% Max, 75% Max, 100% Max, 125% Max &gt; Control</a:t>
+              <a:t>10% Max &gt; T0</a:t>
             </a:r>
           </a:p>
           <a:p>
@@ -9401,7 +10585,7 @@
             </a:pPr>
             <a:r>
               <a:rPr lang="en-US" dirty="0"/>
-              <a:t>100% Max &gt; Methanol Control </a:t>
+              <a:t>100% Max &lt; Methanol Control</a:t>
             </a:r>
           </a:p>
           <a:p>
@@ -9411,7 +10595,77 @@
             </a:pPr>
             <a:r>
               <a:rPr lang="en-US" dirty="0"/>
-              <a:t>Control, Methanol Control, 10% max, 25% Max, 50% Max, 75% Max, 100% Max, 125% Max  &gt; Time Zero</a:t>
+              <a:t>125% Max &lt; Methanol </a:t>
+            </a:r>
+          </a:p>
+          <a:p>
+            <a:pPr marL="285750" indent="-285750">
+              <a:buFont typeface="Arial" panose="020B0604020202020204" pitchFamily="34" charset="0"/>
+              <a:buChar char="•"/>
+            </a:pPr>
+            <a:r>
+              <a:rPr lang="en-US" dirty="0"/>
+              <a:t>25% Max &lt; Methanol </a:t>
+            </a:r>
+          </a:p>
+          <a:p>
+            <a:pPr marL="285750" indent="-285750">
+              <a:buFont typeface="Arial" panose="020B0604020202020204" pitchFamily="34" charset="0"/>
+              <a:buChar char="•"/>
+            </a:pPr>
+            <a:r>
+              <a:rPr lang="en-US" dirty="0"/>
+              <a:t>50% Max &lt; Methanol </a:t>
+            </a:r>
+          </a:p>
+          <a:p>
+            <a:pPr marL="285750" indent="-285750">
+              <a:buFont typeface="Arial" panose="020B0604020202020204" pitchFamily="34" charset="0"/>
+              <a:buChar char="•"/>
+            </a:pPr>
+            <a:r>
+              <a:rPr lang="en-US" dirty="0"/>
+              <a:t>75% Max &lt; Methanol </a:t>
+            </a:r>
+          </a:p>
+          <a:p>
+            <a:pPr marL="285750" indent="-285750">
+              <a:buFont typeface="Arial" panose="020B0604020202020204" pitchFamily="34" charset="0"/>
+              <a:buChar char="•"/>
+            </a:pPr>
+            <a:r>
+              <a:rPr lang="en-US" dirty="0"/>
+              <a:t>75% Max &gt; T0</a:t>
+            </a:r>
+          </a:p>
+          <a:p>
+            <a:pPr marL="285750" indent="-285750">
+              <a:buFont typeface="Arial" panose="020B0604020202020204" pitchFamily="34" charset="0"/>
+              <a:buChar char="•"/>
+            </a:pPr>
+            <a:r>
+              <a:rPr lang="en-US" dirty="0"/>
+              <a:t>Methanol Control &gt; Control</a:t>
+            </a:r>
+          </a:p>
+          <a:p>
+            <a:pPr marL="285750" indent="-285750">
+              <a:buFont typeface="Arial" panose="020B0604020202020204" pitchFamily="34" charset="0"/>
+              <a:buChar char="•"/>
+            </a:pPr>
+            <a:r>
+              <a:rPr lang="en-US" dirty="0"/>
+              <a:t>Methanol Control &gt; Time Zero</a:t>
+            </a:r>
+          </a:p>
+          <a:p>
+            <a:pPr marL="285750" indent="-285750">
+              <a:buFont typeface="Arial" panose="020B0604020202020204" pitchFamily="34" charset="0"/>
+              <a:buChar char="•"/>
+            </a:pPr>
+            <a:r>
+              <a:rPr lang="en-US" dirty="0"/>
+              <a:t>Control &gt; Time Zero</a:t>
             </a:r>
           </a:p>
         </p:txBody>
@@ -9419,7 +10673,7 @@
     </p:spTree>
     <p:extLst>
       <p:ext uri="{BB962C8B-B14F-4D97-AF65-F5344CB8AC3E}">
-        <p14:creationId xmlns:p14="http://schemas.microsoft.com/office/powerpoint/2010/main" val="331943307"/>
+        <p14:creationId xmlns:p14="http://schemas.microsoft.com/office/powerpoint/2010/main" val="721553390"/>
       </p:ext>
     </p:extLst>
   </p:cSld>
@@ -9742,4 +10996,319 @@
     </a:ext>
   </a:extLst>
 </a:theme>
+</file>
+
+<file path=ppt/theme/theme2.xml><?xml version="1.0" encoding="utf-8"?>
+<a:theme xmlns:a="http://schemas.openxmlformats.org/drawingml/2006/main" name="Office Theme">
+  <a:themeElements>
+    <a:clrScheme name="Office">
+      <a:dk1>
+        <a:sysClr val="windowText" lastClr="000000"/>
+      </a:dk1>
+      <a:lt1>
+        <a:sysClr val="window" lastClr="FFFFFF"/>
+      </a:lt1>
+      <a:dk2>
+        <a:srgbClr val="0E2841"/>
+      </a:dk2>
+      <a:lt2>
+        <a:srgbClr val="E8E8E8"/>
+      </a:lt2>
+      <a:accent1>
+        <a:srgbClr val="156082"/>
+      </a:accent1>
+      <a:accent2>
+        <a:srgbClr val="E97132"/>
+      </a:accent2>
+      <a:accent3>
+        <a:srgbClr val="196B24"/>
+      </a:accent3>
+      <a:accent4>
+        <a:srgbClr val="0F9ED5"/>
+      </a:accent4>
+      <a:accent5>
+        <a:srgbClr val="A02B93"/>
+      </a:accent5>
+      <a:accent6>
+        <a:srgbClr val="4EA72E"/>
+      </a:accent6>
+      <a:hlink>
+        <a:srgbClr val="467886"/>
+      </a:hlink>
+      <a:folHlink>
+        <a:srgbClr val="96607D"/>
+      </a:folHlink>
+    </a:clrScheme>
+    <a:fontScheme name="Office">
+      <a:majorFont>
+        <a:latin typeface="Aptos Display" panose="02110004020202020204"/>
+        <a:ea typeface=""/>
+        <a:cs typeface=""/>
+        <a:font script="Jpan" typeface="游ゴシック Light"/>
+        <a:font script="Hang" typeface="맑은 고딕"/>
+        <a:font script="Hans" typeface="等线 Light"/>
+        <a:font script="Hant" typeface="新細明體"/>
+        <a:font script="Arab" typeface="Times New Roman"/>
+        <a:font script="Hebr" typeface="Times New Roman"/>
+        <a:font script="Thai" typeface="Angsana New"/>
+        <a:font script="Ethi" typeface="Nyala"/>
+        <a:font script="Beng" typeface="Vrinda"/>
+        <a:font script="Gujr" typeface="Shruti"/>
+        <a:font script="Khmr" typeface="MoolBoran"/>
+        <a:font script="Knda" typeface="Tunga"/>
+        <a:font script="Guru" typeface="Raavi"/>
+        <a:font script="Cans" typeface="Euphemia"/>
+        <a:font script="Cher" typeface="Plantagenet Cherokee"/>
+        <a:font script="Yiii" typeface="Microsoft Yi Baiti"/>
+        <a:font script="Tibt" typeface="Microsoft Himalaya"/>
+        <a:font script="Thaa" typeface="MV Boli"/>
+        <a:font script="Deva" typeface="Mangal"/>
+        <a:font script="Telu" typeface="Gautami"/>
+        <a:font script="Taml" typeface="Latha"/>
+        <a:font script="Syrc" typeface="Estrangelo Edessa"/>
+        <a:font script="Orya" typeface="Kalinga"/>
+        <a:font script="Mlym" typeface="Kartika"/>
+        <a:font script="Laoo" typeface="DokChampa"/>
+        <a:font script="Sinh" typeface="Iskoola Pota"/>
+        <a:font script="Mong" typeface="Mongolian Baiti"/>
+        <a:font script="Viet" typeface="Times New Roman"/>
+        <a:font script="Uigh" typeface="Microsoft Uighur"/>
+        <a:font script="Geor" typeface="Sylfaen"/>
+        <a:font script="Armn" typeface="Arial"/>
+        <a:font script="Bugi" typeface="Leelawadee UI"/>
+        <a:font script="Bopo" typeface="Microsoft JhengHei"/>
+        <a:font script="Java" typeface="Javanese Text"/>
+        <a:font script="Lisu" typeface="Segoe UI"/>
+        <a:font script="Mymr" typeface="Myanmar Text"/>
+        <a:font script="Nkoo" typeface="Ebrima"/>
+        <a:font script="Olck" typeface="Nirmala UI"/>
+        <a:font script="Osma" typeface="Ebrima"/>
+        <a:font script="Phag" typeface="Phagspa"/>
+        <a:font script="Syrn" typeface="Estrangelo Edessa"/>
+        <a:font script="Syrj" typeface="Estrangelo Edessa"/>
+        <a:font script="Syre" typeface="Estrangelo Edessa"/>
+        <a:font script="Sora" typeface="Nirmala UI"/>
+        <a:font script="Tale" typeface="Microsoft Tai Le"/>
+        <a:font script="Talu" typeface="Microsoft New Tai Lue"/>
+        <a:font script="Tfng" typeface="Ebrima"/>
+      </a:majorFont>
+      <a:minorFont>
+        <a:latin typeface="Aptos" panose="02110004020202020204"/>
+        <a:ea typeface=""/>
+        <a:cs typeface=""/>
+        <a:font script="Jpan" typeface="游ゴシック"/>
+        <a:font script="Hang" typeface="맑은 고딕"/>
+        <a:font script="Hans" typeface="等线"/>
+        <a:font script="Hant" typeface="新細明體"/>
+        <a:font script="Arab" typeface="Arial"/>
+        <a:font script="Hebr" typeface="Arial"/>
+        <a:font script="Thai" typeface="Cordia New"/>
+        <a:font script="Ethi" typeface="Nyala"/>
+        <a:font script="Beng" typeface="Vrinda"/>
+        <a:font script="Gujr" typeface="Shruti"/>
+        <a:font script="Khmr" typeface="DaunPenh"/>
+        <a:font script="Knda" typeface="Tunga"/>
+        <a:font script="Guru" typeface="Raavi"/>
+        <a:font script="Cans" typeface="Euphemia"/>
+        <a:font script="Cher" typeface="Plantagenet Cherokee"/>
+        <a:font script="Yiii" typeface="Microsoft Yi Baiti"/>
+        <a:font script="Tibt" typeface="Microsoft Himalaya"/>
+        <a:font script="Thaa" typeface="MV Boli"/>
+        <a:font script="Deva" typeface="Mangal"/>
+        <a:font script="Telu" typeface="Gautami"/>
+        <a:font script="Taml" typeface="Latha"/>
+        <a:font script="Syrc" typeface="Estrangelo Edessa"/>
+        <a:font script="Orya" typeface="Kalinga"/>
+        <a:font script="Mlym" typeface="Kartika"/>
+        <a:font script="Laoo" typeface="DokChampa"/>
+        <a:font script="Sinh" typeface="Iskoola Pota"/>
+        <a:font script="Mong" typeface="Mongolian Baiti"/>
+        <a:font script="Viet" typeface="Arial"/>
+        <a:font script="Uigh" typeface="Microsoft Uighur"/>
+        <a:font script="Geor" typeface="Sylfaen"/>
+        <a:font script="Armn" typeface="Arial"/>
+        <a:font script="Bugi" typeface="Leelawadee UI"/>
+        <a:font script="Bopo" typeface="Microsoft JhengHei"/>
+        <a:font script="Java" typeface="Javanese Text"/>
+        <a:font script="Lisu" typeface="Segoe UI"/>
+        <a:font script="Mymr" typeface="Myanmar Text"/>
+        <a:font script="Nkoo" typeface="Ebrima"/>
+        <a:font script="Olck" typeface="Nirmala UI"/>
+        <a:font script="Osma" typeface="Ebrima"/>
+        <a:font script="Phag" typeface="Phagspa"/>
+        <a:font script="Syrn" typeface="Estrangelo Edessa"/>
+        <a:font script="Syrj" typeface="Estrangelo Edessa"/>
+        <a:font script="Syre" typeface="Estrangelo Edessa"/>
+        <a:font script="Sora" typeface="Nirmala UI"/>
+        <a:font script="Tale" typeface="Microsoft Tai Le"/>
+        <a:font script="Talu" typeface="Microsoft New Tai Lue"/>
+        <a:font script="Tfng" typeface="Ebrima"/>
+      </a:minorFont>
+    </a:fontScheme>
+    <a:fmtScheme name="Office">
+      <a:fillStyleLst>
+        <a:solidFill>
+          <a:schemeClr val="phClr"/>
+        </a:solidFill>
+        <a:gradFill rotWithShape="1">
+          <a:gsLst>
+            <a:gs pos="0">
+              <a:schemeClr val="phClr">
+                <a:lumMod val="110000"/>
+                <a:satMod val="105000"/>
+                <a:tint val="67000"/>
+              </a:schemeClr>
+            </a:gs>
+            <a:gs pos="50000">
+              <a:schemeClr val="phClr">
+                <a:lumMod val="105000"/>
+                <a:satMod val="103000"/>
+                <a:tint val="73000"/>
+              </a:schemeClr>
+            </a:gs>
+            <a:gs pos="100000">
+              <a:schemeClr val="phClr">
+                <a:lumMod val="105000"/>
+                <a:satMod val="109000"/>
+                <a:tint val="81000"/>
+              </a:schemeClr>
+            </a:gs>
+          </a:gsLst>
+          <a:lin ang="5400000" scaled="0"/>
+        </a:gradFill>
+        <a:gradFill rotWithShape="1">
+          <a:gsLst>
+            <a:gs pos="0">
+              <a:schemeClr val="phClr">
+                <a:satMod val="103000"/>
+                <a:lumMod val="102000"/>
+                <a:tint val="94000"/>
+              </a:schemeClr>
+            </a:gs>
+            <a:gs pos="50000">
+              <a:schemeClr val="phClr">
+                <a:satMod val="110000"/>
+                <a:lumMod val="100000"/>
+                <a:shade val="100000"/>
+              </a:schemeClr>
+            </a:gs>
+            <a:gs pos="100000">
+              <a:schemeClr val="phClr">
+                <a:lumMod val="99000"/>
+                <a:satMod val="120000"/>
+                <a:shade val="78000"/>
+              </a:schemeClr>
+            </a:gs>
+          </a:gsLst>
+          <a:lin ang="5400000" scaled="0"/>
+        </a:gradFill>
+      </a:fillStyleLst>
+      <a:lnStyleLst>
+        <a:ln w="12700" cap="flat" cmpd="sng" algn="ctr">
+          <a:solidFill>
+            <a:schemeClr val="phClr"/>
+          </a:solidFill>
+          <a:prstDash val="solid"/>
+          <a:miter lim="800000"/>
+        </a:ln>
+        <a:ln w="19050" cap="flat" cmpd="sng" algn="ctr">
+          <a:solidFill>
+            <a:schemeClr val="phClr"/>
+          </a:solidFill>
+          <a:prstDash val="solid"/>
+          <a:miter lim="800000"/>
+        </a:ln>
+        <a:ln w="25400" cap="flat" cmpd="sng" algn="ctr">
+          <a:solidFill>
+            <a:schemeClr val="phClr"/>
+          </a:solidFill>
+          <a:prstDash val="solid"/>
+          <a:miter lim="800000"/>
+        </a:ln>
+      </a:lnStyleLst>
+      <a:effectStyleLst>
+        <a:effectStyle>
+          <a:effectLst/>
+        </a:effectStyle>
+        <a:effectStyle>
+          <a:effectLst/>
+        </a:effectStyle>
+        <a:effectStyle>
+          <a:effectLst>
+            <a:outerShdw blurRad="57150" dist="19050" dir="5400000" algn="ctr" rotWithShape="0">
+              <a:srgbClr val="000000">
+                <a:alpha val="63000"/>
+              </a:srgbClr>
+            </a:outerShdw>
+          </a:effectLst>
+        </a:effectStyle>
+      </a:effectStyleLst>
+      <a:bgFillStyleLst>
+        <a:solidFill>
+          <a:schemeClr val="phClr"/>
+        </a:solidFill>
+        <a:solidFill>
+          <a:schemeClr val="phClr">
+            <a:tint val="95000"/>
+            <a:satMod val="170000"/>
+          </a:schemeClr>
+        </a:solidFill>
+        <a:gradFill rotWithShape="1">
+          <a:gsLst>
+            <a:gs pos="0">
+              <a:schemeClr val="phClr">
+                <a:tint val="93000"/>
+                <a:satMod val="150000"/>
+                <a:shade val="98000"/>
+                <a:lumMod val="102000"/>
+              </a:schemeClr>
+            </a:gs>
+            <a:gs pos="50000">
+              <a:schemeClr val="phClr">
+                <a:tint val="98000"/>
+                <a:satMod val="130000"/>
+                <a:shade val="90000"/>
+                <a:lumMod val="103000"/>
+              </a:schemeClr>
+            </a:gs>
+            <a:gs pos="100000">
+              <a:schemeClr val="phClr">
+                <a:shade val="63000"/>
+                <a:satMod val="120000"/>
+              </a:schemeClr>
+            </a:gs>
+          </a:gsLst>
+          <a:lin ang="5400000" scaled="0"/>
+        </a:gradFill>
+      </a:bgFillStyleLst>
+    </a:fmtScheme>
+  </a:themeElements>
+  <a:objectDefaults>
+    <a:lnDef>
+      <a:spPr/>
+      <a:bodyPr/>
+      <a:lstStyle/>
+      <a:style>
+        <a:lnRef idx="2">
+          <a:schemeClr val="accent1"/>
+        </a:lnRef>
+        <a:fillRef idx="0">
+          <a:schemeClr val="accent1"/>
+        </a:fillRef>
+        <a:effectRef idx="1">
+          <a:schemeClr val="accent1"/>
+        </a:effectRef>
+        <a:fontRef idx="minor">
+          <a:schemeClr val="tx1"/>
+        </a:fontRef>
+      </a:style>
+    </a:lnDef>
+  </a:objectDefaults>
+  <a:extraClrSchemeLst/>
+  <a:extLst>
+    <a:ext uri="{05A4C25C-085E-4340-85A3-A5531E510DB2}">
+      <thm15:themeFamily xmlns:thm15="http://schemas.microsoft.com/office/thememl/2012/main" name="Office Theme" id="{2E142A2C-CD16-42D6-873A-C26D2A0506FA}" vid="{1BDDFF52-6CD6-40A5-AB3C-68EB2F1E4D0A}"/>
+    </a:ext>
+  </a:extLst>
+</a:theme>
 </file>
--- a/2024_09_09_Lake Murray Bioassays - Figures and Stats Summaries.pptx
+++ b/2024_09_09_Lake Murray Bioassays - Figures and Stats Summaries.pptx
@@ -124,16 +124,32 @@
 </p:presentation>
 </file>
 
-<file path=ppt/revisionInfo.xml><?xml version="1.0" encoding="utf-8"?>
-<p1510:revInfo xmlns:a="http://schemas.openxmlformats.org/drawingml/2006/main" xmlns:r="http://schemas.openxmlformats.org/officeDocument/2006/relationships" xmlns:p1510="http://schemas.microsoft.com/office/powerpoint/2015/10/main">
-  <p1510:revLst>
-    <p1510:client id="{C4F4DA30-0D05-414F-B0B1-B4EECF11B26E}" v="6" dt="2024-09-10T15:59:04.536"/>
-  </p1510:revLst>
-</p1510:revInfo>
-</file>
-
 <file path=ppt/changesInfos/changesInfo1.xml><?xml version="1.0" encoding="utf-8"?>
 <pc:chgInfo xmlns:a="http://schemas.openxmlformats.org/drawingml/2006/main" xmlns:r="http://schemas.openxmlformats.org/officeDocument/2006/relationships" xmlns:ac="http://schemas.microsoft.com/office/drawing/2013/main/command" xmlns:pc="http://schemas.microsoft.com/office/powerpoint/2013/main/command">
+  <pc:docChgLst>
+    <pc:chgData name="Cat Schlenker" userId="4795f5e3347afba5" providerId="LiveId" clId="{E345D057-7234-4AD2-B7D0-9CCEDFA27680}"/>
+    <pc:docChg chg="undo custSel modSld">
+      <pc:chgData name="Cat Schlenker" userId="4795f5e3347afba5" providerId="LiveId" clId="{E345D057-7234-4AD2-B7D0-9CCEDFA27680}" dt="2025-01-07T16:24:17.204" v="59" actId="20577"/>
+      <pc:docMkLst>
+        <pc:docMk/>
+      </pc:docMkLst>
+      <pc:sldChg chg="modSp mod">
+        <pc:chgData name="Cat Schlenker" userId="4795f5e3347afba5" providerId="LiveId" clId="{E345D057-7234-4AD2-B7D0-9CCEDFA27680}" dt="2025-01-07T16:24:17.204" v="59" actId="20577"/>
+        <pc:sldMkLst>
+          <pc:docMk/>
+          <pc:sldMk cId="721553390" sldId="264"/>
+        </pc:sldMkLst>
+        <pc:spChg chg="mod">
+          <ac:chgData name="Cat Schlenker" userId="4795f5e3347afba5" providerId="LiveId" clId="{E345D057-7234-4AD2-B7D0-9CCEDFA27680}" dt="2025-01-07T16:24:17.204" v="59" actId="20577"/>
+          <ac:spMkLst>
+            <pc:docMk/>
+            <pc:sldMk cId="721553390" sldId="264"/>
+            <ac:spMk id="6" creationId="{9589EB15-DD03-A7A6-35FA-02CDC2E4789A}"/>
+          </ac:spMkLst>
+        </pc:spChg>
+      </pc:sldChg>
+    </pc:docChg>
+  </pc:docChgLst>
   <pc:docChgLst>
     <pc:chgData name="Cat Schlenker" userId="4795f5e3347afba5" providerId="LiveId" clId="{C4F4DA30-0D05-414F-B0B1-B4EECF11B26E}"/>
     <pc:docChg chg="undo custSel modSld">
@@ -147,70 +163,6 @@
           <pc:docMk/>
           <pc:sldMk cId="567054300" sldId="266"/>
         </pc:sldMkLst>
-        <pc:spChg chg="mod">
-          <ac:chgData name="Cat Schlenker" userId="4795f5e3347afba5" providerId="LiveId" clId="{C4F4DA30-0D05-414F-B0B1-B4EECF11B26E}" dt="2024-09-10T15:19:23.167" v="14" actId="20577"/>
-          <ac:spMkLst>
-            <pc:docMk/>
-            <pc:sldMk cId="567054300" sldId="266"/>
-            <ac:spMk id="2" creationId="{64396403-3A73-2485-715D-B8547AB15B7C}"/>
-          </ac:spMkLst>
-        </pc:spChg>
-        <pc:spChg chg="add del mod ord">
-          <ac:chgData name="Cat Schlenker" userId="4795f5e3347afba5" providerId="LiveId" clId="{C4F4DA30-0D05-414F-B0B1-B4EECF11B26E}" dt="2024-09-10T15:58:01.464" v="44"/>
-          <ac:spMkLst>
-            <pc:docMk/>
-            <pc:sldMk cId="567054300" sldId="266"/>
-            <ac:spMk id="4" creationId="{31F67224-822E-2FE0-65F2-E0333A1E07DE}"/>
-          </ac:spMkLst>
-        </pc:spChg>
-        <pc:spChg chg="del mod">
-          <ac:chgData name="Cat Schlenker" userId="4795f5e3347afba5" providerId="LiveId" clId="{C4F4DA30-0D05-414F-B0B1-B4EECF11B26E}" dt="2024-09-10T15:19:38.714" v="18" actId="478"/>
-          <ac:spMkLst>
-            <pc:docMk/>
-            <pc:sldMk cId="567054300" sldId="266"/>
-            <ac:spMk id="6" creationId="{6A2E4FD5-9154-7C20-74E3-661F98A126A7}"/>
-          </ac:spMkLst>
-        </pc:spChg>
-        <pc:graphicFrameChg chg="add mod">
-          <ac:chgData name="Cat Schlenker" userId="4795f5e3347afba5" providerId="LiveId" clId="{C4F4DA30-0D05-414F-B0B1-B4EECF11B26E}" dt="2024-09-10T15:58:01.464" v="44"/>
-          <ac:graphicFrameMkLst>
-            <pc:docMk/>
-            <pc:sldMk cId="567054300" sldId="266"/>
-            <ac:graphicFrameMk id="7" creationId="{722D13C5-9293-F964-862E-EA6ECC33A436}"/>
-          </ac:graphicFrameMkLst>
-        </pc:graphicFrameChg>
-        <pc:picChg chg="del">
-          <ac:chgData name="Cat Schlenker" userId="4795f5e3347afba5" providerId="LiveId" clId="{C4F4DA30-0D05-414F-B0B1-B4EECF11B26E}" dt="2024-09-10T15:19:25.121" v="15" actId="478"/>
-          <ac:picMkLst>
-            <pc:docMk/>
-            <pc:sldMk cId="567054300" sldId="266"/>
-            <ac:picMk id="5" creationId="{CFCA149D-F272-68D1-10D3-CA1ADA9FBEE8}"/>
-          </ac:picMkLst>
-        </pc:picChg>
-        <pc:picChg chg="add mod modCrop">
-          <ac:chgData name="Cat Schlenker" userId="4795f5e3347afba5" providerId="LiveId" clId="{C4F4DA30-0D05-414F-B0B1-B4EECF11B26E}" dt="2024-09-10T15:58:47.957" v="53" actId="1076"/>
-          <ac:picMkLst>
-            <pc:docMk/>
-            <pc:sldMk cId="567054300" sldId="266"/>
-            <ac:picMk id="9" creationId="{99543275-A658-BEBD-2CE3-94DC6799C5AC}"/>
-          </ac:picMkLst>
-        </pc:picChg>
-        <pc:picChg chg="add mod modCrop">
-          <ac:chgData name="Cat Schlenker" userId="4795f5e3347afba5" providerId="LiveId" clId="{C4F4DA30-0D05-414F-B0B1-B4EECF11B26E}" dt="2024-09-10T15:58:53.281" v="55" actId="14100"/>
-          <ac:picMkLst>
-            <pc:docMk/>
-            <pc:sldMk cId="567054300" sldId="266"/>
-            <ac:picMk id="11" creationId="{AC1EEDDE-DFB3-EEE1-7C1C-12364CFA8365}"/>
-          </ac:picMkLst>
-        </pc:picChg>
-        <pc:picChg chg="add mod modCrop">
-          <ac:chgData name="Cat Schlenker" userId="4795f5e3347afba5" providerId="LiveId" clId="{C4F4DA30-0D05-414F-B0B1-B4EECF11B26E}" dt="2024-09-10T15:59:27.436" v="61" actId="1076"/>
-          <ac:picMkLst>
-            <pc:docMk/>
-            <pc:sldMk cId="567054300" sldId="266"/>
-            <ac:picMk id="13" creationId="{D486C4DA-6169-9DFA-3DC9-CBBC5A63FE80}"/>
-          </ac:picMkLst>
-        </pc:picChg>
       </pc:sldChg>
     </pc:docChg>
   </pc:docChgLst>
@@ -299,7 +251,7 @@
           <a:p>
             <a:fld id="{DF4B4233-EA93-41AF-BD1E-651B53496951}" type="datetimeFigureOut">
               <a:rPr lang="en-US" smtClean="0"/>
-              <a:t>9/10/2024</a:t>
+              <a:t>1/7/2025</a:t>
             </a:fld>
             <a:endParaRPr lang="en-US"/>
           </a:p>
@@ -806,7 +758,7 @@
           <a:p>
             <a:fld id="{F63DFC3A-2FD0-4096-9F32-4F56E9B05499}" type="datetimeFigureOut">
               <a:rPr lang="en-US" smtClean="0"/>
-              <a:t>9/10/2024</a:t>
+              <a:t>1/7/2025</a:t>
             </a:fld>
             <a:endParaRPr lang="en-US"/>
           </a:p>
@@ -1004,7 +956,7 @@
           <a:p>
             <a:fld id="{F63DFC3A-2FD0-4096-9F32-4F56E9B05499}" type="datetimeFigureOut">
               <a:rPr lang="en-US" smtClean="0"/>
-              <a:t>9/10/2024</a:t>
+              <a:t>1/7/2025</a:t>
             </a:fld>
             <a:endParaRPr lang="en-US"/>
           </a:p>
@@ -1212,7 +1164,7 @@
           <a:p>
             <a:fld id="{F63DFC3A-2FD0-4096-9F32-4F56E9B05499}" type="datetimeFigureOut">
               <a:rPr lang="en-US" smtClean="0"/>
-              <a:t>9/10/2024</a:t>
+              <a:t>1/7/2025</a:t>
             </a:fld>
             <a:endParaRPr lang="en-US"/>
           </a:p>
@@ -1410,7 +1362,7 @@
           <a:p>
             <a:fld id="{F63DFC3A-2FD0-4096-9F32-4F56E9B05499}" type="datetimeFigureOut">
               <a:rPr lang="en-US" smtClean="0"/>
-              <a:t>9/10/2024</a:t>
+              <a:t>1/7/2025</a:t>
             </a:fld>
             <a:endParaRPr lang="en-US"/>
           </a:p>
@@ -1685,7 +1637,7 @@
           <a:p>
             <a:fld id="{F63DFC3A-2FD0-4096-9F32-4F56E9B05499}" type="datetimeFigureOut">
               <a:rPr lang="en-US" smtClean="0"/>
-              <a:t>9/10/2024</a:t>
+              <a:t>1/7/2025</a:t>
             </a:fld>
             <a:endParaRPr lang="en-US"/>
           </a:p>
@@ -1950,7 +1902,7 @@
           <a:p>
             <a:fld id="{F63DFC3A-2FD0-4096-9F32-4F56E9B05499}" type="datetimeFigureOut">
               <a:rPr lang="en-US" smtClean="0"/>
-              <a:t>9/10/2024</a:t>
+              <a:t>1/7/2025</a:t>
             </a:fld>
             <a:endParaRPr lang="en-US"/>
           </a:p>
@@ -2362,7 +2314,7 @@
           <a:p>
             <a:fld id="{F63DFC3A-2FD0-4096-9F32-4F56E9B05499}" type="datetimeFigureOut">
               <a:rPr lang="en-US" smtClean="0"/>
-              <a:t>9/10/2024</a:t>
+              <a:t>1/7/2025</a:t>
             </a:fld>
             <a:endParaRPr lang="en-US"/>
           </a:p>
@@ -2503,7 +2455,7 @@
           <a:p>
             <a:fld id="{F63DFC3A-2FD0-4096-9F32-4F56E9B05499}" type="datetimeFigureOut">
               <a:rPr lang="en-US" smtClean="0"/>
-              <a:t>9/10/2024</a:t>
+              <a:t>1/7/2025</a:t>
             </a:fld>
             <a:endParaRPr lang="en-US"/>
           </a:p>
@@ -2616,7 +2568,7 @@
           <a:p>
             <a:fld id="{F63DFC3A-2FD0-4096-9F32-4F56E9B05499}" type="datetimeFigureOut">
               <a:rPr lang="en-US" smtClean="0"/>
-              <a:t>9/10/2024</a:t>
+              <a:t>1/7/2025</a:t>
             </a:fld>
             <a:endParaRPr lang="en-US"/>
           </a:p>
@@ -2927,7 +2879,7 @@
           <a:p>
             <a:fld id="{F63DFC3A-2FD0-4096-9F32-4F56E9B05499}" type="datetimeFigureOut">
               <a:rPr lang="en-US" smtClean="0"/>
-              <a:t>9/10/2024</a:t>
+              <a:t>1/7/2025</a:t>
             </a:fld>
             <a:endParaRPr lang="en-US"/>
           </a:p>
@@ -3215,7 +3167,7 @@
           <a:p>
             <a:fld id="{F63DFC3A-2FD0-4096-9F32-4F56E9B05499}" type="datetimeFigureOut">
               <a:rPr lang="en-US" smtClean="0"/>
-              <a:t>9/10/2024</a:t>
+              <a:t>1/7/2025</a:t>
             </a:fld>
             <a:endParaRPr lang="en-US"/>
           </a:p>
@@ -3456,7 +3408,7 @@
           <a:p>
             <a:fld id="{F63DFC3A-2FD0-4096-9F32-4F56E9B05499}" type="datetimeFigureOut">
               <a:rPr lang="en-US" smtClean="0"/>
-              <a:t>9/10/2024</a:t>
+              <a:t>1/7/2025</a:t>
             </a:fld>
             <a:endParaRPr lang="en-US"/>
           </a:p>
@@ -10550,7 +10502,7 @@
         <p:spPr>
           <a:xfrm>
             <a:off x="8830686" y="2242557"/>
-            <a:ext cx="2645923" cy="3970318"/>
+            <a:ext cx="2645923" cy="2031325"/>
           </a:xfrm>
           <a:prstGeom prst="rect">
             <a:avLst/>
@@ -10575,7 +10527,7 @@
             </a:pPr>
             <a:r>
               <a:rPr lang="en-US" dirty="0"/>
-              <a:t>10% Max &gt; T0</a:t>
+              <a:t>25%, 50%, 75%, 100%, 125% Max &lt; Methanol Control</a:t>
             </a:r>
           </a:p>
           <a:p>
@@ -10585,7 +10537,7 @@
             </a:pPr>
             <a:r>
               <a:rPr lang="en-US" dirty="0"/>
-              <a:t>100% Max &lt; Methanol Control</a:t>
+              <a:t>10%, 75% Max &gt; T0</a:t>
             </a:r>
           </a:p>
           <a:p>
@@ -10595,77 +10547,7 @@
             </a:pPr>
             <a:r>
               <a:rPr lang="en-US" dirty="0"/>
-              <a:t>125% Max &lt; Methanol </a:t>
-            </a:r>
-          </a:p>
-          <a:p>
-            <a:pPr marL="285750" indent="-285750">
-              <a:buFont typeface="Arial" panose="020B0604020202020204" pitchFamily="34" charset="0"/>
-              <a:buChar char="•"/>
-            </a:pPr>
-            <a:r>
-              <a:rPr lang="en-US" dirty="0"/>
-              <a:t>25% Max &lt; Methanol </a:t>
-            </a:r>
-          </a:p>
-          <a:p>
-            <a:pPr marL="285750" indent="-285750">
-              <a:buFont typeface="Arial" panose="020B0604020202020204" pitchFamily="34" charset="0"/>
-              <a:buChar char="•"/>
-            </a:pPr>
-            <a:r>
-              <a:rPr lang="en-US" dirty="0"/>
-              <a:t>50% Max &lt; Methanol </a:t>
-            </a:r>
-          </a:p>
-          <a:p>
-            <a:pPr marL="285750" indent="-285750">
-              <a:buFont typeface="Arial" panose="020B0604020202020204" pitchFamily="34" charset="0"/>
-              <a:buChar char="•"/>
-            </a:pPr>
-            <a:r>
-              <a:rPr lang="en-US" dirty="0"/>
-              <a:t>75% Max &lt; Methanol </a:t>
-            </a:r>
-          </a:p>
-          <a:p>
-            <a:pPr marL="285750" indent="-285750">
-              <a:buFont typeface="Arial" panose="020B0604020202020204" pitchFamily="34" charset="0"/>
-              <a:buChar char="•"/>
-            </a:pPr>
-            <a:r>
-              <a:rPr lang="en-US" dirty="0"/>
-              <a:t>75% Max &gt; T0</a:t>
-            </a:r>
-          </a:p>
-          <a:p>
-            <a:pPr marL="285750" indent="-285750">
-              <a:buFont typeface="Arial" panose="020B0604020202020204" pitchFamily="34" charset="0"/>
-              <a:buChar char="•"/>
-            </a:pPr>
-            <a:r>
-              <a:rPr lang="en-US" dirty="0"/>
-              <a:t>Methanol Control &gt; Control</a:t>
-            </a:r>
-          </a:p>
-          <a:p>
-            <a:pPr marL="285750" indent="-285750">
-              <a:buFont typeface="Arial" panose="020B0604020202020204" pitchFamily="34" charset="0"/>
-              <a:buChar char="•"/>
-            </a:pPr>
-            <a:r>
-              <a:rPr lang="en-US" dirty="0"/>
-              <a:t>Methanol Control &gt; Time Zero</a:t>
-            </a:r>
-          </a:p>
-          <a:p>
-            <a:pPr marL="285750" indent="-285750">
-              <a:buFont typeface="Arial" panose="020B0604020202020204" pitchFamily="34" charset="0"/>
-              <a:buChar char="•"/>
-            </a:pPr>
-            <a:r>
-              <a:rPr lang="en-US" dirty="0"/>
-              <a:t>Control &gt; Time Zero</a:t>
+              <a:t>Methanol Control &gt; Control, Time Zero</a:t>
             </a:r>
           </a:p>
         </p:txBody>
